--- a/2016/02/10/yuv.pptx
+++ b/2016/02/10/yuv.pptx
@@ -11,8 +11,8 @@
     <p:sldId id="268" r:id="rId5"/>
     <p:sldId id="269" r:id="rId6"/>
     <p:sldId id="272" r:id="rId7"/>
-    <p:sldId id="270" r:id="rId8"/>
-    <p:sldId id="271" r:id="rId9"/>
+    <p:sldId id="271" r:id="rId8"/>
+    <p:sldId id="273" r:id="rId9"/>
   </p:sldIdLst>
   <p:sldSz cx="9144000" cy="6858000" type="screen4x3"/>
   <p:notesSz cx="6858000" cy="9144000"/>
@@ -347,7 +347,7 @@
           <a:p>
             <a:fld id="{AEE7C1BB-A76B-3A4F-91E7-3619927110EC}" type="datetimeFigureOut">
               <a:rPr kumimoji="1" lang="ja-JP" altLang="en-US" smtClean="0"/>
-              <a:t>16/02/17</a:t>
+              <a:t>16/02/19</a:t>
             </a:fld>
             <a:endParaRPr kumimoji="1" lang="ja-JP" altLang="en-US"/>
           </a:p>
@@ -492,7 +492,7 @@
           <a:p>
             <a:fld id="{AEE7C1BB-A76B-3A4F-91E7-3619927110EC}" type="datetimeFigureOut">
               <a:rPr kumimoji="1" lang="ja-JP" altLang="en-US" smtClean="0"/>
-              <a:t>16/02/17</a:t>
+              <a:t>16/02/19</a:t>
             </a:fld>
             <a:endParaRPr kumimoji="1" lang="ja-JP" altLang="en-US"/>
           </a:p>
@@ -1077,7 +1077,7 @@
           <a:p>
             <a:fld id="{AEE7C1BB-A76B-3A4F-91E7-3619927110EC}" type="datetimeFigureOut">
               <a:rPr kumimoji="1" lang="ja-JP" altLang="en-US" smtClean="0"/>
-              <a:t>16/02/17</a:t>
+              <a:t>16/02/19</a:t>
             </a:fld>
             <a:endParaRPr kumimoji="1" lang="ja-JP" altLang="en-US"/>
           </a:p>
@@ -1541,7 +1541,7 @@
           <a:p>
             <a:fld id="{AEE7C1BB-A76B-3A4F-91E7-3619927110EC}" type="datetimeFigureOut">
               <a:rPr kumimoji="1" lang="ja-JP" altLang="en-US" smtClean="0"/>
-              <a:t>16/02/17</a:t>
+              <a:t>16/02/19</a:t>
             </a:fld>
             <a:endParaRPr kumimoji="1" lang="ja-JP" altLang="en-US"/>
           </a:p>
@@ -1631,7 +1631,7 @@
           <a:p>
             <a:fld id="{AEE7C1BB-A76B-3A4F-91E7-3619927110EC}" type="datetimeFigureOut">
               <a:rPr kumimoji="1" lang="ja-JP" altLang="en-US" smtClean="0"/>
-              <a:t>16/02/17</a:t>
+              <a:t>16/02/19</a:t>
             </a:fld>
             <a:endParaRPr kumimoji="1" lang="ja-JP" altLang="en-US"/>
           </a:p>
@@ -1941,7 +1941,7 @@
           <a:p>
             <a:fld id="{AEE7C1BB-A76B-3A4F-91E7-3619927110EC}" type="datetimeFigureOut">
               <a:rPr kumimoji="1" lang="ja-JP" altLang="en-US" smtClean="0"/>
-              <a:t>16/02/17</a:t>
+              <a:t>16/02/19</a:t>
             </a:fld>
             <a:endParaRPr kumimoji="1" lang="ja-JP" altLang="en-US"/>
           </a:p>
@@ -2134,7 +2134,7 @@
           <a:p>
             <a:fld id="{AEE7C1BB-A76B-3A4F-91E7-3619927110EC}" type="datetimeFigureOut">
               <a:rPr kumimoji="1" lang="ja-JP" altLang="en-US" smtClean="0"/>
-              <a:t>16/02/17</a:t>
+              <a:t>16/02/19</a:t>
             </a:fld>
             <a:endParaRPr kumimoji="1" lang="ja-JP" altLang="en-US"/>
           </a:p>
@@ -2876,7 +2876,7 @@
           <a:p>
             <a:fld id="{AEE7C1BB-A76B-3A4F-91E7-3619927110EC}" type="datetimeFigureOut">
               <a:rPr kumimoji="1" lang="ja-JP" altLang="en-US" smtClean="0"/>
-              <a:t>16/02/17</a:t>
+              <a:t>16/02/19</a:t>
             </a:fld>
             <a:endParaRPr kumimoji="1" lang="ja-JP" altLang="en-US"/>
           </a:p>
@@ -3214,7 +3214,7 @@
           <a:p>
             <a:fld id="{AEE7C1BB-A76B-3A4F-91E7-3619927110EC}" type="datetimeFigureOut">
               <a:rPr kumimoji="1" lang="ja-JP" altLang="en-US" smtClean="0"/>
-              <a:t>16/02/17</a:t>
+              <a:t>16/02/19</a:t>
             </a:fld>
             <a:endParaRPr kumimoji="1" lang="ja-JP" altLang="en-US"/>
           </a:p>
@@ -3811,7 +3811,7 @@
           <a:p>
             <a:fld id="{AEE7C1BB-A76B-3A4F-91E7-3619927110EC}" type="datetimeFigureOut">
               <a:rPr kumimoji="1" lang="ja-JP" altLang="en-US" smtClean="0"/>
-              <a:t>16/02/17</a:t>
+              <a:t>16/02/19</a:t>
             </a:fld>
             <a:endParaRPr kumimoji="1" lang="ja-JP" altLang="en-US"/>
           </a:p>
@@ -4026,7 +4026,7 @@
           <a:p>
             <a:fld id="{AEE7C1BB-A76B-3A4F-91E7-3619927110EC}" type="datetimeFigureOut">
               <a:rPr kumimoji="1" lang="ja-JP" altLang="en-US" smtClean="0"/>
-              <a:t>16/02/17</a:t>
+              <a:t>16/02/19</a:t>
             </a:fld>
             <a:endParaRPr kumimoji="1" lang="ja-JP" altLang="en-US"/>
           </a:p>
@@ -4227,7 +4227,7 @@
           <a:p>
             <a:fld id="{AEE7C1BB-A76B-3A4F-91E7-3619927110EC}" type="datetimeFigureOut">
               <a:rPr kumimoji="1" lang="ja-JP" altLang="en-US" smtClean="0"/>
-              <a:t>16/02/17</a:t>
+              <a:t>16/02/19</a:t>
             </a:fld>
             <a:endParaRPr kumimoji="1" lang="ja-JP" altLang="en-US"/>
           </a:p>
@@ -4452,7 +4452,7 @@
           <a:p>
             <a:fld id="{AEE7C1BB-A76B-3A4F-91E7-3619927110EC}" type="datetimeFigureOut">
               <a:rPr kumimoji="1" lang="ja-JP" altLang="en-US" smtClean="0"/>
-              <a:t>16/02/17</a:t>
+              <a:t>16/02/19</a:t>
             </a:fld>
             <a:endParaRPr kumimoji="1" lang="ja-JP" altLang="en-US"/>
           </a:p>
@@ -4871,7 +4871,7 @@
           <a:p>
             <a:fld id="{AEE7C1BB-A76B-3A4F-91E7-3619927110EC}" type="datetimeFigureOut">
               <a:rPr kumimoji="1" lang="ja-JP" altLang="en-US" smtClean="0"/>
-              <a:t>16/02/17</a:t>
+              <a:t>16/02/19</a:t>
             </a:fld>
             <a:endParaRPr kumimoji="1" lang="ja-JP" altLang="en-US"/>
           </a:p>
@@ -5169,7 +5169,7 @@
           <a:p>
             <a:fld id="{AEE7C1BB-A76B-3A4F-91E7-3619927110EC}" type="datetimeFigureOut">
               <a:rPr kumimoji="1" lang="ja-JP" altLang="en-US" smtClean="0"/>
-              <a:t>16/02/17</a:t>
+              <a:t>16/02/19</a:t>
             </a:fld>
             <a:endParaRPr kumimoji="1" lang="ja-JP" altLang="en-US"/>
           </a:p>
@@ -5570,7 +5570,7 @@
           <a:p>
             <a:fld id="{AEE7C1BB-A76B-3A4F-91E7-3619927110EC}" type="datetimeFigureOut">
               <a:rPr kumimoji="1" lang="ja-JP" altLang="en-US" smtClean="0"/>
-              <a:t>16/02/17</a:t>
+              <a:t>16/02/19</a:t>
             </a:fld>
             <a:endParaRPr kumimoji="1" lang="ja-JP" altLang="en-US"/>
           </a:p>
@@ -5960,7 +5960,7 @@
           <a:p>
             <a:fld id="{AEE7C1BB-A76B-3A4F-91E7-3619927110EC}" type="datetimeFigureOut">
               <a:rPr kumimoji="1" lang="ja-JP" altLang="en-US" smtClean="0"/>
-              <a:t>16/02/17</a:t>
+              <a:t>16/02/19</a:t>
             </a:fld>
             <a:endParaRPr kumimoji="1" lang="ja-JP" altLang="en-US"/>
           </a:p>
@@ -6307,7 +6307,7 @@
           <a:p>
             <a:fld id="{AEE7C1BB-A76B-3A4F-91E7-3619927110EC}" type="datetimeFigureOut">
               <a:rPr kumimoji="1" lang="ja-JP" altLang="en-US" smtClean="0"/>
-              <a:t>16/02/17</a:t>
+              <a:t>16/02/19</a:t>
             </a:fld>
             <a:endParaRPr kumimoji="1" lang="ja-JP" altLang="en-US"/>
           </a:p>
@@ -6810,7 +6810,7 @@
           <a:p>
             <a:fld id="{AEE7C1BB-A76B-3A4F-91E7-3619927110EC}" type="datetimeFigureOut">
               <a:rPr kumimoji="1" lang="ja-JP" altLang="en-US" smtClean="0"/>
-              <a:t>16/02/17</a:t>
+              <a:t>16/02/19</a:t>
             </a:fld>
             <a:endParaRPr kumimoji="1" lang="ja-JP" altLang="en-US"/>
           </a:p>
@@ -7136,7 +7136,7 @@
           <a:p>
             <a:fld id="{AEE7C1BB-A76B-3A4F-91E7-3619927110EC}" type="datetimeFigureOut">
               <a:rPr kumimoji="1" lang="ja-JP" altLang="en-US" smtClean="0"/>
-              <a:t>16/02/17</a:t>
+              <a:t>16/02/19</a:t>
             </a:fld>
             <a:endParaRPr kumimoji="1" lang="ja-JP" altLang="en-US"/>
           </a:p>
@@ -7492,7 +7492,7 @@
           <a:p>
             <a:fld id="{AEE7C1BB-A76B-3A4F-91E7-3619927110EC}" type="datetimeFigureOut">
               <a:rPr kumimoji="1" lang="ja-JP" altLang="en-US" smtClean="0"/>
-              <a:t>16/02/17</a:t>
+              <a:t>16/02/19</a:t>
             </a:fld>
             <a:endParaRPr kumimoji="1" lang="ja-JP" altLang="en-US"/>
           </a:p>
@@ -17843,7 +17843,7 @@
           <a:p>
             <a:r>
               <a:rPr kumimoji="1" lang="en-US" altLang="ja-JP" dirty="0" smtClean="0"/>
-              <a:t>YUV420</a:t>
+              <a:t>YUV411</a:t>
             </a:r>
             <a:r>
               <a:rPr kumimoji="1" lang="ja-JP" altLang="en-US" dirty="0" smtClean="0"/>
@@ -18346,20 +18346,63 @@
       </p:sp>
       <p:sp>
         <p:nvSpPr>
-          <p:cNvPr id="47" name="正方形/長方形 46"/>
+          <p:cNvPr id="49" name="正方形/長方形 48"/>
           <p:cNvSpPr/>
           <p:nvPr/>
         </p:nvSpPr>
         <p:spPr>
           <a:xfrm>
-            <a:off x="5105768" y="3196162"/>
+            <a:off x="6161107" y="2949202"/>
+            <a:ext cx="1516727" cy="798719"/>
+          </a:xfrm>
+          <a:prstGeom prst="rect">
+            <a:avLst/>
+          </a:prstGeom>
+          <a:solidFill>
+            <a:schemeClr val="tx1"/>
+          </a:solidFill>
+        </p:spPr>
+        <p:style>
+          <a:lnRef idx="1">
+            <a:schemeClr val="accent1"/>
+          </a:lnRef>
+          <a:fillRef idx="3">
+            <a:schemeClr val="accent1"/>
+          </a:fillRef>
+          <a:effectRef idx="2">
+            <a:schemeClr val="accent1"/>
+          </a:effectRef>
+          <a:fontRef idx="minor">
+            <a:schemeClr val="lt1"/>
+          </a:fontRef>
+        </p:style>
+        <p:txBody>
+          <a:bodyPr rtlCol="0" anchor="ctr"/>
+          <a:lstStyle/>
+          <a:p>
+            <a:pPr algn="ctr"/>
+            <a:endParaRPr kumimoji="1" lang="ja-JP" altLang="en-US"/>
+          </a:p>
+        </p:txBody>
+      </p:sp>
+      <p:sp>
+        <p:nvSpPr>
+          <p:cNvPr id="50" name="正方形/長方形 49"/>
+          <p:cNvSpPr/>
+          <p:nvPr/>
+        </p:nvSpPr>
+        <p:spPr>
+          <a:xfrm>
+            <a:off x="6264633" y="3198091"/>
             <a:ext cx="375110" cy="342163"/>
           </a:xfrm>
           <a:prstGeom prst="rect">
             <a:avLst/>
           </a:prstGeom>
           <a:solidFill>
-            <a:srgbClr val="0037FF"/>
+            <a:schemeClr val="bg1">
+              <a:lumMod val="75000"/>
+            </a:schemeClr>
           </a:solidFill>
         </p:spPr>
         <p:style>
@@ -18382,7 +18425,7 @@
           <a:p>
             <a:pPr algn="ctr"/>
             <a:r>
-              <a:rPr lang="en-US" altLang="ja-JP" b="1" dirty="0" err="1" smtClean="0">
+              <a:rPr lang="en-US" altLang="ja-JP" b="1" dirty="0" smtClean="0">
                 <a:effectLst>
                   <a:outerShdw blurRad="50800" dist="38100" dir="2700000" algn="tl" rotWithShape="0">
                     <a:srgbClr val="000000">
@@ -18391,7 +18434,7 @@
                   </a:outerShdw>
                 </a:effectLst>
               </a:rPr>
-              <a:t>Cb</a:t>
+              <a:t>Y</a:t>
             </a:r>
             <a:endParaRPr kumimoji="1" lang="ja-JP" altLang="en-US" b="1" dirty="0">
               <a:effectLst>
@@ -18407,20 +18450,63 @@
       </p:sp>
       <p:sp>
         <p:nvSpPr>
-          <p:cNvPr id="48" name="正方形/長方形 47"/>
+          <p:cNvPr id="53" name="正方形/長方形 52"/>
           <p:cNvSpPr/>
           <p:nvPr/>
         </p:nvSpPr>
         <p:spPr>
           <a:xfrm>
-            <a:off x="5577681" y="3190104"/>
+            <a:off x="1207731" y="4058113"/>
+            <a:ext cx="1516727" cy="798719"/>
+          </a:xfrm>
+          <a:prstGeom prst="rect">
+            <a:avLst/>
+          </a:prstGeom>
+          <a:solidFill>
+            <a:schemeClr val="tx1"/>
+          </a:solidFill>
+        </p:spPr>
+        <p:style>
+          <a:lnRef idx="1">
+            <a:schemeClr val="accent1"/>
+          </a:lnRef>
+          <a:fillRef idx="3">
+            <a:schemeClr val="accent1"/>
+          </a:fillRef>
+          <a:effectRef idx="2">
+            <a:schemeClr val="accent1"/>
+          </a:effectRef>
+          <a:fontRef idx="minor">
+            <a:schemeClr val="lt1"/>
+          </a:fontRef>
+        </p:style>
+        <p:txBody>
+          <a:bodyPr rtlCol="0" anchor="ctr"/>
+          <a:lstStyle/>
+          <a:p>
+            <a:pPr algn="ctr"/>
+            <a:endParaRPr kumimoji="1" lang="ja-JP" altLang="en-US"/>
+          </a:p>
+        </p:txBody>
+      </p:sp>
+      <p:sp>
+        <p:nvSpPr>
+          <p:cNvPr id="54" name="正方形/長方形 53"/>
+          <p:cNvSpPr/>
+          <p:nvPr/>
+        </p:nvSpPr>
+        <p:spPr>
+          <a:xfrm>
+            <a:off x="1311257" y="4307002"/>
             <a:ext cx="375110" cy="342163"/>
           </a:xfrm>
           <a:prstGeom prst="rect">
             <a:avLst/>
           </a:prstGeom>
           <a:solidFill>
-            <a:srgbClr val="FF0000"/>
+            <a:schemeClr val="bg1">
+              <a:lumMod val="75000"/>
+            </a:schemeClr>
           </a:solidFill>
         </p:spPr>
         <p:style>
@@ -18452,7 +18538,7 @@
                   </a:outerShdw>
                 </a:effectLst>
               </a:rPr>
-              <a:t>Cr</a:t>
+              <a:t>Y</a:t>
             </a:r>
             <a:endParaRPr kumimoji="1" lang="ja-JP" altLang="en-US" b="1" dirty="0">
               <a:effectLst>
@@ -18468,20 +18554,20 @@
       </p:sp>
       <p:sp>
         <p:nvSpPr>
-          <p:cNvPr id="49" name="正方形/長方形 48"/>
+          <p:cNvPr id="55" name="正方形/長方形 54"/>
           <p:cNvSpPr/>
           <p:nvPr/>
         </p:nvSpPr>
         <p:spPr>
           <a:xfrm>
-            <a:off x="6161107" y="2949202"/>
-            <a:ext cx="1516727" cy="798719"/>
+            <a:off x="1790840" y="4307002"/>
+            <a:ext cx="375110" cy="342163"/>
           </a:xfrm>
           <a:prstGeom prst="rect">
             <a:avLst/>
           </a:prstGeom>
           <a:solidFill>
-            <a:schemeClr val="tx1"/>
+            <a:srgbClr val="0037FF"/>
           </a:solidFill>
         </p:spPr>
         <p:style>
@@ -18499,55 +18585,12 @@
           </a:fontRef>
         </p:style>
         <p:txBody>
-          <a:bodyPr rtlCol="0" anchor="ctr"/>
+          <a:bodyPr wrap="none" rtlCol="0" anchor="ctr"/>
           <a:lstStyle/>
           <a:p>
             <a:pPr algn="ctr"/>
-            <a:endParaRPr kumimoji="1" lang="ja-JP" altLang="en-US"/>
-          </a:p>
-        </p:txBody>
-      </p:sp>
-      <p:sp>
-        <p:nvSpPr>
-          <p:cNvPr id="50" name="正方形/長方形 49"/>
-          <p:cNvSpPr/>
-          <p:nvPr/>
-        </p:nvSpPr>
-        <p:spPr>
-          <a:xfrm>
-            <a:off x="6264633" y="3198091"/>
-            <a:ext cx="375110" cy="342163"/>
-          </a:xfrm>
-          <a:prstGeom prst="rect">
-            <a:avLst/>
-          </a:prstGeom>
-          <a:solidFill>
-            <a:schemeClr val="bg1">
-              <a:lumMod val="75000"/>
-            </a:schemeClr>
-          </a:solidFill>
-        </p:spPr>
-        <p:style>
-          <a:lnRef idx="1">
-            <a:schemeClr val="accent1"/>
-          </a:lnRef>
-          <a:fillRef idx="3">
-            <a:schemeClr val="accent1"/>
-          </a:fillRef>
-          <a:effectRef idx="2">
-            <a:schemeClr val="accent1"/>
-          </a:effectRef>
-          <a:fontRef idx="minor">
-            <a:schemeClr val="lt1"/>
-          </a:fontRef>
-        </p:style>
-        <p:txBody>
-          <a:bodyPr wrap="none" rtlCol="0" anchor="ctr"/>
-          <a:lstStyle/>
-          <a:p>
-            <a:pPr algn="ctr"/>
-            <a:r>
-              <a:rPr lang="en-US" altLang="ja-JP" b="1" dirty="0" smtClean="0">
+            <a:r>
+              <a:rPr lang="en-US" altLang="ja-JP" b="1" dirty="0" err="1" smtClean="0">
                 <a:effectLst>
                   <a:outerShdw blurRad="50800" dist="38100" dir="2700000" algn="tl" rotWithShape="0">
                     <a:srgbClr val="000000">
@@ -18556,7 +18599,7 @@
                   </a:outerShdw>
                 </a:effectLst>
               </a:rPr>
-              <a:t>Y</a:t>
+              <a:t>Cb</a:t>
             </a:r>
             <a:endParaRPr kumimoji="1" lang="ja-JP" altLang="en-US" b="1" dirty="0">
               <a:effectLst>
@@ -18572,63 +18615,20 @@
       </p:sp>
       <p:sp>
         <p:nvSpPr>
-          <p:cNvPr id="53" name="正方形/長方形 52"/>
+          <p:cNvPr id="56" name="正方形/長方形 55"/>
           <p:cNvSpPr/>
           <p:nvPr/>
         </p:nvSpPr>
         <p:spPr>
           <a:xfrm>
-            <a:off x="1207731" y="4058113"/>
-            <a:ext cx="1516727" cy="798719"/>
+            <a:off x="2262753" y="4300944"/>
+            <a:ext cx="375110" cy="342163"/>
           </a:xfrm>
           <a:prstGeom prst="rect">
             <a:avLst/>
           </a:prstGeom>
           <a:solidFill>
-            <a:schemeClr val="tx1"/>
-          </a:solidFill>
-        </p:spPr>
-        <p:style>
-          <a:lnRef idx="1">
-            <a:schemeClr val="accent1"/>
-          </a:lnRef>
-          <a:fillRef idx="3">
-            <a:schemeClr val="accent1"/>
-          </a:fillRef>
-          <a:effectRef idx="2">
-            <a:schemeClr val="accent1"/>
-          </a:effectRef>
-          <a:fontRef idx="minor">
-            <a:schemeClr val="lt1"/>
-          </a:fontRef>
-        </p:style>
-        <p:txBody>
-          <a:bodyPr rtlCol="0" anchor="ctr"/>
-          <a:lstStyle/>
-          <a:p>
-            <a:pPr algn="ctr"/>
-            <a:endParaRPr kumimoji="1" lang="ja-JP" altLang="en-US"/>
-          </a:p>
-        </p:txBody>
-      </p:sp>
-      <p:sp>
-        <p:nvSpPr>
-          <p:cNvPr id="54" name="正方形/長方形 53"/>
-          <p:cNvSpPr/>
-          <p:nvPr/>
-        </p:nvSpPr>
-        <p:spPr>
-          <a:xfrm>
-            <a:off x="1311257" y="4307002"/>
-            <a:ext cx="375110" cy="342163"/>
-          </a:xfrm>
-          <a:prstGeom prst="rect">
-            <a:avLst/>
-          </a:prstGeom>
-          <a:solidFill>
-            <a:schemeClr val="bg1">
-              <a:lumMod val="75000"/>
-            </a:schemeClr>
+            <a:srgbClr val="FF0000"/>
           </a:solidFill>
         </p:spPr>
         <p:style>
@@ -18660,7 +18660,7 @@
                   </a:outerShdw>
                 </a:effectLst>
               </a:rPr>
-              <a:t>Y</a:t>
+              <a:t>Cr</a:t>
             </a:r>
             <a:endParaRPr kumimoji="1" lang="ja-JP" altLang="en-US" b="1" dirty="0">
               <a:effectLst>
@@ -19090,50 +19090,16 @@
           </a:p>
         </p:txBody>
       </p:sp>
-      <p:cxnSp>
-        <p:nvCxnSpPr>
-          <p:cNvPr id="75" name="直線矢印コネクタ 74"/>
-          <p:cNvCxnSpPr/>
-          <p:nvPr/>
-        </p:nvCxnSpPr>
-        <p:spPr>
-          <a:xfrm>
-            <a:off x="1207103" y="5240240"/>
-            <a:ext cx="6470731" cy="0"/>
-          </a:xfrm>
-          <a:prstGeom prst="straightConnector1">
-            <a:avLst/>
-          </a:prstGeom>
-          <a:ln>
-            <a:headEnd type="arrow"/>
-            <a:tailEnd type="arrow"/>
-          </a:ln>
-        </p:spPr>
-        <p:style>
-          <a:lnRef idx="2">
-            <a:schemeClr val="accent1"/>
-          </a:lnRef>
-          <a:fillRef idx="0">
-            <a:schemeClr val="accent1"/>
-          </a:fillRef>
-          <a:effectRef idx="1">
-            <a:schemeClr val="accent1"/>
-          </a:effectRef>
-          <a:fontRef idx="minor">
-            <a:schemeClr val="tx1"/>
-          </a:fontRef>
-        </p:style>
-      </p:cxnSp>
-      <p:sp>
-        <p:nvSpPr>
-          <p:cNvPr id="76" name="角丸四角形 75"/>
+      <p:sp>
+        <p:nvSpPr>
+          <p:cNvPr id="73" name="角丸四角形 72"/>
           <p:cNvSpPr/>
           <p:nvPr/>
         </p:nvSpPr>
         <p:spPr>
           <a:xfrm>
-            <a:off x="1941984" y="5264527"/>
-            <a:ext cx="5058476" cy="319487"/>
+            <a:off x="4281447" y="2268040"/>
+            <a:ext cx="3151015" cy="319487"/>
           </a:xfrm>
           <a:prstGeom prst="roundRect">
             <a:avLst/>
@@ -19163,20 +19129,28 @@
           <a:p>
             <a:pPr algn="ctr"/>
             <a:r>
-              <a:rPr lang="en-US" altLang="en-US" dirty="0">
-                <a:solidFill>
-                  <a:schemeClr val="tx1"/>
-                </a:solidFill>
-              </a:rPr>
-              <a:t>c</a:t>
-            </a:r>
-            <a:r>
               <a:rPr lang="en-US" altLang="en-US" dirty="0" smtClean="0">
                 <a:solidFill>
                   <a:schemeClr val="tx1"/>
                 </a:solidFill>
               </a:rPr>
-              <a:t>: </a:t>
+              <a:t>b: </a:t>
+            </a:r>
+            <a:r>
+              <a:rPr lang="en-US" altLang="en-US" dirty="0" err="1" smtClean="0">
+                <a:solidFill>
+                  <a:schemeClr val="tx1"/>
+                </a:solidFill>
+              </a:rPr>
+              <a:t>Cb,Cr</a:t>
+            </a:r>
+            <a:r>
+              <a:rPr lang="en-US" altLang="en-US" dirty="0" smtClean="0">
+                <a:solidFill>
+                  <a:schemeClr val="tx1"/>
+                </a:solidFill>
+              </a:rPr>
+              <a:t> 成分</a:t>
             </a:r>
             <a:r>
               <a:rPr lang="ja-JP" altLang="en-US" dirty="0" smtClean="0">
@@ -19184,55 +19158,7 @@
                   <a:schemeClr val="tx1"/>
                 </a:solidFill>
               </a:rPr>
-              <a:t>次の行</a:t>
-            </a:r>
-            <a:r>
-              <a:rPr lang="en-US" altLang="ja-JP" dirty="0" smtClean="0">
-                <a:solidFill>
-                  <a:schemeClr val="tx1"/>
-                </a:solidFill>
-              </a:rPr>
-              <a:t>(</a:t>
-            </a:r>
-            <a:r>
-              <a:rPr lang="ja-JP" altLang="en-US" dirty="0" smtClean="0">
-                <a:solidFill>
-                  <a:schemeClr val="tx1"/>
-                </a:solidFill>
-              </a:rPr>
-              <a:t>偶数行の</a:t>
-            </a:r>
-            <a:r>
-              <a:rPr lang="en-US" altLang="ja-JP" dirty="0" smtClean="0">
-                <a:solidFill>
-                  <a:schemeClr val="tx1"/>
-                </a:solidFill>
-              </a:rPr>
-              <a:t>)</a:t>
-            </a:r>
-            <a:r>
-              <a:rPr lang="en-US" altLang="en-US" dirty="0" err="1" smtClean="0">
-                <a:solidFill>
-                  <a:schemeClr val="tx1"/>
-                </a:solidFill>
-              </a:rPr>
-              <a:t>Cb,Cr</a:t>
-            </a:r>
-            <a:r>
-              <a:rPr lang="en-US" altLang="en-US" dirty="0" smtClean="0">
-                <a:solidFill>
-                  <a:schemeClr val="tx1"/>
-                </a:solidFill>
-              </a:rPr>
-              <a:t> 成分は</a:t>
-            </a:r>
-            <a:r>
-              <a:rPr lang="ja-JP" altLang="en-US" dirty="0" smtClean="0">
-                <a:solidFill>
-                  <a:schemeClr val="tx1"/>
-                </a:solidFill>
-              </a:rPr>
-              <a:t>各０サンプル</a:t>
+              <a:t>は各１サンプル</a:t>
             </a:r>
             <a:endParaRPr kumimoji="1" lang="ja-JP" altLang="en-US" dirty="0">
               <a:solidFill>
@@ -19242,10 +19168,162 @@
           </a:p>
         </p:txBody>
       </p:sp>
+      <p:cxnSp>
+        <p:nvCxnSpPr>
+          <p:cNvPr id="75" name="直線矢印コネクタ 74"/>
+          <p:cNvCxnSpPr/>
+          <p:nvPr/>
+        </p:nvCxnSpPr>
+        <p:spPr>
+          <a:xfrm>
+            <a:off x="1207103" y="5240240"/>
+            <a:ext cx="6470731" cy="0"/>
+          </a:xfrm>
+          <a:prstGeom prst="straightConnector1">
+            <a:avLst/>
+          </a:prstGeom>
+          <a:ln>
+            <a:headEnd type="arrow"/>
+            <a:tailEnd type="arrow"/>
+          </a:ln>
+        </p:spPr>
+        <p:style>
+          <a:lnRef idx="2">
+            <a:schemeClr val="accent1"/>
+          </a:lnRef>
+          <a:fillRef idx="0">
+            <a:schemeClr val="accent1"/>
+          </a:fillRef>
+          <a:effectRef idx="1">
+            <a:schemeClr val="accent1"/>
+          </a:effectRef>
+          <a:fontRef idx="minor">
+            <a:schemeClr val="tx1"/>
+          </a:fontRef>
+        </p:style>
+      </p:cxnSp>
+      <p:sp>
+        <p:nvSpPr>
+          <p:cNvPr id="76" name="角丸四角形 75"/>
+          <p:cNvSpPr/>
+          <p:nvPr/>
+        </p:nvSpPr>
+        <p:spPr>
+          <a:xfrm>
+            <a:off x="1941984" y="5264527"/>
+            <a:ext cx="5058476" cy="319487"/>
+          </a:xfrm>
+          <a:prstGeom prst="roundRect">
+            <a:avLst/>
+          </a:prstGeom>
+          <a:noFill/>
+          <a:ln>
+            <a:noFill/>
+          </a:ln>
+        </p:spPr>
+        <p:style>
+          <a:lnRef idx="1">
+            <a:schemeClr val="accent1"/>
+          </a:lnRef>
+          <a:fillRef idx="3">
+            <a:schemeClr val="accent1"/>
+          </a:fillRef>
+          <a:effectRef idx="2">
+            <a:schemeClr val="accent1"/>
+          </a:effectRef>
+          <a:fontRef idx="minor">
+            <a:schemeClr val="lt1"/>
+          </a:fontRef>
+        </p:style>
+        <p:txBody>
+          <a:bodyPr rtlCol="0" anchor="ctr"/>
+          <a:lstStyle/>
+          <a:p>
+            <a:pPr algn="ctr"/>
+            <a:r>
+              <a:rPr lang="en-US" altLang="en-US" dirty="0">
+                <a:solidFill>
+                  <a:schemeClr val="tx1"/>
+                </a:solidFill>
+              </a:rPr>
+              <a:t>c</a:t>
+            </a:r>
+            <a:r>
+              <a:rPr lang="en-US" altLang="en-US" dirty="0" smtClean="0">
+                <a:solidFill>
+                  <a:schemeClr val="tx1"/>
+                </a:solidFill>
+              </a:rPr>
+              <a:t>: </a:t>
+            </a:r>
+            <a:r>
+              <a:rPr lang="ja-JP" altLang="en-US" dirty="0" smtClean="0">
+                <a:solidFill>
+                  <a:schemeClr val="tx1"/>
+                </a:solidFill>
+              </a:rPr>
+              <a:t>次の行</a:t>
+            </a:r>
+            <a:r>
+              <a:rPr lang="en-US" altLang="ja-JP" dirty="0" smtClean="0">
+                <a:solidFill>
+                  <a:schemeClr val="tx1"/>
+                </a:solidFill>
+              </a:rPr>
+              <a:t>(</a:t>
+            </a:r>
+            <a:r>
+              <a:rPr lang="ja-JP" altLang="en-US" dirty="0" smtClean="0">
+                <a:solidFill>
+                  <a:schemeClr val="tx1"/>
+                </a:solidFill>
+              </a:rPr>
+              <a:t>偶数行の</a:t>
+            </a:r>
+            <a:r>
+              <a:rPr lang="en-US" altLang="ja-JP" dirty="0" smtClean="0">
+                <a:solidFill>
+                  <a:schemeClr val="tx1"/>
+                </a:solidFill>
+              </a:rPr>
+              <a:t>)</a:t>
+            </a:r>
+            <a:r>
+              <a:rPr lang="en-US" altLang="en-US" dirty="0" err="1" smtClean="0">
+                <a:solidFill>
+                  <a:schemeClr val="tx1"/>
+                </a:solidFill>
+              </a:rPr>
+              <a:t>Cb,Cr</a:t>
+            </a:r>
+            <a:r>
+              <a:rPr lang="en-US" altLang="en-US" dirty="0" smtClean="0">
+                <a:solidFill>
+                  <a:schemeClr val="tx1"/>
+                </a:solidFill>
+              </a:rPr>
+              <a:t> 成分</a:t>
+            </a:r>
+            <a:r>
+              <a:rPr lang="ja-JP" altLang="en-US" dirty="0" smtClean="0">
+                <a:solidFill>
+                  <a:schemeClr val="tx1"/>
+                </a:solidFill>
+              </a:rPr>
+              <a:t>も各１サンプル</a:t>
+            </a:r>
+            <a:endParaRPr kumimoji="1" lang="ja-JP" altLang="en-US" dirty="0">
+              <a:solidFill>
+                <a:schemeClr val="tx1"/>
+              </a:solidFill>
+            </a:endParaRPr>
+          </a:p>
+        </p:txBody>
+      </p:sp>
     </p:spTree>
     <p:extLst>
       <p:ext uri="{BB962C8B-B14F-4D97-AF65-F5344CB8AC3E}">
-        <p14:creationId xmlns:p14="http://schemas.microsoft.com/office/powerpoint/2010/main" val="2829549446"/>
+        <p14:creationId xmlns:p14="http://schemas.microsoft.com/office/powerpoint/2010/main" val="1453225840"/>
       </p:ext>
     </p:extLst>
   </p:cSld>
@@ -19289,11 +19367,19 @@
           <a:p>
             <a:r>
               <a:rPr kumimoji="1" lang="en-US" altLang="ja-JP" dirty="0" smtClean="0"/>
-              <a:t>YUV411</a:t>
+              <a:t>YUV41</a:t>
+            </a:r>
+            <a:r>
+              <a:rPr lang="en-US" altLang="ja-JP" dirty="0"/>
+              <a:t>0</a:t>
             </a:r>
             <a:r>
               <a:rPr kumimoji="1" lang="ja-JP" altLang="en-US" dirty="0" smtClean="0"/>
-              <a:t> の例</a:t>
+              <a:t> </a:t>
+            </a:r>
+            <a:r>
+              <a:rPr kumimoji="1" lang="ja-JP" altLang="en-US" dirty="0" smtClean="0"/>
+              <a:t>の例</a:t>
             </a:r>
             <a:endParaRPr kumimoji="1" lang="ja-JP" altLang="en-US" dirty="0"/>
           </a:p>
@@ -20000,20 +20086,63 @@
       </p:sp>
       <p:sp>
         <p:nvSpPr>
-          <p:cNvPr id="55" name="正方形/長方形 54"/>
+          <p:cNvPr id="57" name="正方形/長方形 56"/>
           <p:cNvSpPr/>
           <p:nvPr/>
         </p:nvSpPr>
         <p:spPr>
           <a:xfrm>
-            <a:off x="1790840" y="4307002"/>
+            <a:off x="2870143" y="4060042"/>
+            <a:ext cx="1516727" cy="798719"/>
+          </a:xfrm>
+          <a:prstGeom prst="rect">
+            <a:avLst/>
+          </a:prstGeom>
+          <a:solidFill>
+            <a:schemeClr val="tx1"/>
+          </a:solidFill>
+        </p:spPr>
+        <p:style>
+          <a:lnRef idx="1">
+            <a:schemeClr val="accent1"/>
+          </a:lnRef>
+          <a:fillRef idx="3">
+            <a:schemeClr val="accent1"/>
+          </a:fillRef>
+          <a:effectRef idx="2">
+            <a:schemeClr val="accent1"/>
+          </a:effectRef>
+          <a:fontRef idx="minor">
+            <a:schemeClr val="lt1"/>
+          </a:fontRef>
+        </p:style>
+        <p:txBody>
+          <a:bodyPr rtlCol="0" anchor="ctr"/>
+          <a:lstStyle/>
+          <a:p>
+            <a:pPr algn="ctr"/>
+            <a:endParaRPr kumimoji="1" lang="ja-JP" altLang="en-US"/>
+          </a:p>
+        </p:txBody>
+      </p:sp>
+      <p:sp>
+        <p:nvSpPr>
+          <p:cNvPr id="58" name="正方形/長方形 57"/>
+          <p:cNvSpPr/>
+          <p:nvPr/>
+        </p:nvSpPr>
+        <p:spPr>
+          <a:xfrm>
+            <a:off x="2973669" y="4308931"/>
             <a:ext cx="375110" cy="342163"/>
           </a:xfrm>
           <a:prstGeom prst="rect">
             <a:avLst/>
           </a:prstGeom>
           <a:solidFill>
-            <a:srgbClr val="0037FF"/>
+            <a:schemeClr val="bg1">
+              <a:lumMod val="75000"/>
+            </a:schemeClr>
           </a:solidFill>
         </p:spPr>
         <p:style>
@@ -20036,7 +20165,7 @@
           <a:p>
             <a:pPr algn="ctr"/>
             <a:r>
-              <a:rPr lang="en-US" altLang="ja-JP" b="1" dirty="0" err="1" smtClean="0">
+              <a:rPr lang="en-US" altLang="ja-JP" b="1" dirty="0" smtClean="0">
                 <a:effectLst>
                   <a:outerShdw blurRad="50800" dist="38100" dir="2700000" algn="tl" rotWithShape="0">
                     <a:srgbClr val="000000">
@@ -20045,7 +20174,7 @@
                   </a:outerShdw>
                 </a:effectLst>
               </a:rPr>
-              <a:t>Cb</a:t>
+              <a:t>Y</a:t>
             </a:r>
             <a:endParaRPr kumimoji="1" lang="ja-JP" altLang="en-US" b="1" dirty="0">
               <a:effectLst>
@@ -20061,20 +20190,63 @@
       </p:sp>
       <p:sp>
         <p:nvSpPr>
-          <p:cNvPr id="56" name="正方形/長方形 55"/>
+          <p:cNvPr id="61" name="正方形/長方形 60"/>
           <p:cNvSpPr/>
           <p:nvPr/>
         </p:nvSpPr>
         <p:spPr>
           <a:xfrm>
-            <a:off x="2262753" y="4300944"/>
+            <a:off x="4523287" y="4058113"/>
+            <a:ext cx="1516727" cy="798719"/>
+          </a:xfrm>
+          <a:prstGeom prst="rect">
+            <a:avLst/>
+          </a:prstGeom>
+          <a:solidFill>
+            <a:schemeClr val="tx1"/>
+          </a:solidFill>
+        </p:spPr>
+        <p:style>
+          <a:lnRef idx="1">
+            <a:schemeClr val="accent1"/>
+          </a:lnRef>
+          <a:fillRef idx="3">
+            <a:schemeClr val="accent1"/>
+          </a:fillRef>
+          <a:effectRef idx="2">
+            <a:schemeClr val="accent1"/>
+          </a:effectRef>
+          <a:fontRef idx="minor">
+            <a:schemeClr val="lt1"/>
+          </a:fontRef>
+        </p:style>
+        <p:txBody>
+          <a:bodyPr rtlCol="0" anchor="ctr"/>
+          <a:lstStyle/>
+          <a:p>
+            <a:pPr algn="ctr"/>
+            <a:endParaRPr kumimoji="1" lang="ja-JP" altLang="en-US"/>
+          </a:p>
+        </p:txBody>
+      </p:sp>
+      <p:sp>
+        <p:nvSpPr>
+          <p:cNvPr id="62" name="正方形/長方形 61"/>
+          <p:cNvSpPr/>
+          <p:nvPr/>
+        </p:nvSpPr>
+        <p:spPr>
+          <a:xfrm>
+            <a:off x="4626813" y="4307002"/>
             <a:ext cx="375110" cy="342163"/>
           </a:xfrm>
           <a:prstGeom prst="rect">
             <a:avLst/>
           </a:prstGeom>
           <a:solidFill>
-            <a:srgbClr val="FF0000"/>
+            <a:schemeClr val="bg1">
+              <a:lumMod val="75000"/>
+            </a:schemeClr>
           </a:solidFill>
         </p:spPr>
         <p:style>
@@ -20106,7 +20278,7 @@
                   </a:outerShdw>
                 </a:effectLst>
               </a:rPr>
-              <a:t>Cr</a:t>
+              <a:t>Y</a:t>
             </a:r>
             <a:endParaRPr kumimoji="1" lang="ja-JP" altLang="en-US" b="1" dirty="0">
               <a:effectLst>
@@ -20122,13 +20294,13 @@
       </p:sp>
       <p:sp>
         <p:nvSpPr>
-          <p:cNvPr id="57" name="正方形/長方形 56"/>
+          <p:cNvPr id="65" name="正方形/長方形 64"/>
           <p:cNvSpPr/>
           <p:nvPr/>
         </p:nvSpPr>
         <p:spPr>
           <a:xfrm>
-            <a:off x="2870143" y="4060042"/>
+            <a:off x="6161735" y="4060042"/>
             <a:ext cx="1516727" cy="798719"/>
           </a:xfrm>
           <a:prstGeom prst="rect">
@@ -20163,13 +20335,13 @@
       </p:sp>
       <p:sp>
         <p:nvSpPr>
-          <p:cNvPr id="58" name="正方形/長方形 57"/>
+          <p:cNvPr id="66" name="正方形/長方形 65"/>
           <p:cNvSpPr/>
           <p:nvPr/>
         </p:nvSpPr>
         <p:spPr>
           <a:xfrm>
-            <a:off x="2973669" y="4308931"/>
+            <a:off x="6265261" y="4308931"/>
             <a:ext cx="375110" cy="342163"/>
           </a:xfrm>
           <a:prstGeom prst="rect">
@@ -20224,214 +20396,6 @@
           </a:p>
         </p:txBody>
       </p:sp>
-      <p:sp>
-        <p:nvSpPr>
-          <p:cNvPr id="61" name="正方形/長方形 60"/>
-          <p:cNvSpPr/>
-          <p:nvPr/>
-        </p:nvSpPr>
-        <p:spPr>
-          <a:xfrm>
-            <a:off x="4523287" y="4058113"/>
-            <a:ext cx="1516727" cy="798719"/>
-          </a:xfrm>
-          <a:prstGeom prst="rect">
-            <a:avLst/>
-          </a:prstGeom>
-          <a:solidFill>
-            <a:schemeClr val="tx1"/>
-          </a:solidFill>
-        </p:spPr>
-        <p:style>
-          <a:lnRef idx="1">
-            <a:schemeClr val="accent1"/>
-          </a:lnRef>
-          <a:fillRef idx="3">
-            <a:schemeClr val="accent1"/>
-          </a:fillRef>
-          <a:effectRef idx="2">
-            <a:schemeClr val="accent1"/>
-          </a:effectRef>
-          <a:fontRef idx="minor">
-            <a:schemeClr val="lt1"/>
-          </a:fontRef>
-        </p:style>
-        <p:txBody>
-          <a:bodyPr rtlCol="0" anchor="ctr"/>
-          <a:lstStyle/>
-          <a:p>
-            <a:pPr algn="ctr"/>
-            <a:endParaRPr kumimoji="1" lang="ja-JP" altLang="en-US"/>
-          </a:p>
-        </p:txBody>
-      </p:sp>
-      <p:sp>
-        <p:nvSpPr>
-          <p:cNvPr id="62" name="正方形/長方形 61"/>
-          <p:cNvSpPr/>
-          <p:nvPr/>
-        </p:nvSpPr>
-        <p:spPr>
-          <a:xfrm>
-            <a:off x="4626813" y="4307002"/>
-            <a:ext cx="375110" cy="342163"/>
-          </a:xfrm>
-          <a:prstGeom prst="rect">
-            <a:avLst/>
-          </a:prstGeom>
-          <a:solidFill>
-            <a:schemeClr val="bg1">
-              <a:lumMod val="75000"/>
-            </a:schemeClr>
-          </a:solidFill>
-        </p:spPr>
-        <p:style>
-          <a:lnRef idx="1">
-            <a:schemeClr val="accent1"/>
-          </a:lnRef>
-          <a:fillRef idx="3">
-            <a:schemeClr val="accent1"/>
-          </a:fillRef>
-          <a:effectRef idx="2">
-            <a:schemeClr val="accent1"/>
-          </a:effectRef>
-          <a:fontRef idx="minor">
-            <a:schemeClr val="lt1"/>
-          </a:fontRef>
-        </p:style>
-        <p:txBody>
-          <a:bodyPr wrap="none" rtlCol="0" anchor="ctr"/>
-          <a:lstStyle/>
-          <a:p>
-            <a:pPr algn="ctr"/>
-            <a:r>
-              <a:rPr lang="en-US" altLang="ja-JP" b="1" dirty="0" smtClean="0">
-                <a:effectLst>
-                  <a:outerShdw blurRad="50800" dist="38100" dir="2700000" algn="tl" rotWithShape="0">
-                    <a:srgbClr val="000000">
-                      <a:alpha val="43000"/>
-                    </a:srgbClr>
-                  </a:outerShdw>
-                </a:effectLst>
-              </a:rPr>
-              <a:t>Y</a:t>
-            </a:r>
-            <a:endParaRPr kumimoji="1" lang="ja-JP" altLang="en-US" b="1" dirty="0">
-              <a:effectLst>
-                <a:outerShdw blurRad="50800" dist="38100" dir="2700000" algn="tl" rotWithShape="0">
-                  <a:srgbClr val="000000">
-                    <a:alpha val="43000"/>
-                  </a:srgbClr>
-                </a:outerShdw>
-              </a:effectLst>
-            </a:endParaRPr>
-          </a:p>
-        </p:txBody>
-      </p:sp>
-      <p:sp>
-        <p:nvSpPr>
-          <p:cNvPr id="65" name="正方形/長方形 64"/>
-          <p:cNvSpPr/>
-          <p:nvPr/>
-        </p:nvSpPr>
-        <p:spPr>
-          <a:xfrm>
-            <a:off x="6161735" y="4060042"/>
-            <a:ext cx="1516727" cy="798719"/>
-          </a:xfrm>
-          <a:prstGeom prst="rect">
-            <a:avLst/>
-          </a:prstGeom>
-          <a:solidFill>
-            <a:schemeClr val="tx1"/>
-          </a:solidFill>
-        </p:spPr>
-        <p:style>
-          <a:lnRef idx="1">
-            <a:schemeClr val="accent1"/>
-          </a:lnRef>
-          <a:fillRef idx="3">
-            <a:schemeClr val="accent1"/>
-          </a:fillRef>
-          <a:effectRef idx="2">
-            <a:schemeClr val="accent1"/>
-          </a:effectRef>
-          <a:fontRef idx="minor">
-            <a:schemeClr val="lt1"/>
-          </a:fontRef>
-        </p:style>
-        <p:txBody>
-          <a:bodyPr rtlCol="0" anchor="ctr"/>
-          <a:lstStyle/>
-          <a:p>
-            <a:pPr algn="ctr"/>
-            <a:endParaRPr kumimoji="1" lang="ja-JP" altLang="en-US"/>
-          </a:p>
-        </p:txBody>
-      </p:sp>
-      <p:sp>
-        <p:nvSpPr>
-          <p:cNvPr id="66" name="正方形/長方形 65"/>
-          <p:cNvSpPr/>
-          <p:nvPr/>
-        </p:nvSpPr>
-        <p:spPr>
-          <a:xfrm>
-            <a:off x="6265261" y="4308931"/>
-            <a:ext cx="375110" cy="342163"/>
-          </a:xfrm>
-          <a:prstGeom prst="rect">
-            <a:avLst/>
-          </a:prstGeom>
-          <a:solidFill>
-            <a:schemeClr val="bg1">
-              <a:lumMod val="75000"/>
-            </a:schemeClr>
-          </a:solidFill>
-        </p:spPr>
-        <p:style>
-          <a:lnRef idx="1">
-            <a:schemeClr val="accent1"/>
-          </a:lnRef>
-          <a:fillRef idx="3">
-            <a:schemeClr val="accent1"/>
-          </a:fillRef>
-          <a:effectRef idx="2">
-            <a:schemeClr val="accent1"/>
-          </a:effectRef>
-          <a:fontRef idx="minor">
-            <a:schemeClr val="lt1"/>
-          </a:fontRef>
-        </p:style>
-        <p:txBody>
-          <a:bodyPr wrap="none" rtlCol="0" anchor="ctr"/>
-          <a:lstStyle/>
-          <a:p>
-            <a:pPr algn="ctr"/>
-            <a:r>
-              <a:rPr lang="en-US" altLang="ja-JP" b="1" dirty="0" smtClean="0">
-                <a:effectLst>
-                  <a:outerShdw blurRad="50800" dist="38100" dir="2700000" algn="tl" rotWithShape="0">
-                    <a:srgbClr val="000000">
-                      <a:alpha val="43000"/>
-                    </a:srgbClr>
-                  </a:outerShdw>
-                </a:effectLst>
-              </a:rPr>
-              <a:t>Y</a:t>
-            </a:r>
-            <a:endParaRPr kumimoji="1" lang="ja-JP" altLang="en-US" b="1" dirty="0">
-              <a:effectLst>
-                <a:outerShdw blurRad="50800" dist="38100" dir="2700000" algn="tl" rotWithShape="0">
-                  <a:srgbClr val="000000">
-                    <a:alpha val="43000"/>
-                  </a:srgbClr>
-                </a:outerShdw>
-              </a:effectLst>
-            </a:endParaRPr>
-          </a:p>
-        </p:txBody>
-      </p:sp>
       <p:cxnSp>
         <p:nvCxnSpPr>
           <p:cNvPr id="70" name="直線矢印コネクタ 69"/>
@@ -20748,7 +20712,15 @@
                   <a:schemeClr val="tx1"/>
                 </a:solidFill>
               </a:rPr>
-              <a:t> 成分</a:t>
+              <a:t> </a:t>
+            </a:r>
+            <a:r>
+              <a:rPr lang="en-US" altLang="en-US" dirty="0" smtClean="0">
+                <a:solidFill>
+                  <a:schemeClr val="tx1"/>
+                </a:solidFill>
+              </a:rPr>
+              <a:t>成分</a:t>
             </a:r>
             <a:r>
               <a:rPr lang="ja-JP" altLang="en-US" dirty="0" smtClean="0">
@@ -20756,7 +20728,31 @@
                   <a:schemeClr val="tx1"/>
                 </a:solidFill>
               </a:rPr>
-              <a:t>も各１サンプル</a:t>
+              <a:t>は</a:t>
+            </a:r>
+            <a:r>
+              <a:rPr lang="ja-JP" altLang="en-US" dirty="0" smtClean="0">
+                <a:solidFill>
+                  <a:schemeClr val="tx1"/>
+                </a:solidFill>
+              </a:rPr>
+              <a:t>各</a:t>
+            </a:r>
+            <a:r>
+              <a:rPr lang="ja-JP" altLang="en-US" dirty="0" smtClean="0">
+                <a:solidFill>
+                  <a:schemeClr val="tx1"/>
+                </a:solidFill>
+              </a:rPr>
+              <a:t>０</a:t>
+            </a:r>
+            <a:r>
+              <a:rPr lang="ja-JP" altLang="en-US" dirty="0" smtClean="0">
+                <a:solidFill>
+                  <a:schemeClr val="tx1"/>
+                </a:solidFill>
+              </a:rPr>
+              <a:t>サンプル</a:t>
             </a:r>
             <a:endParaRPr kumimoji="1" lang="ja-JP" altLang="en-US" dirty="0">
               <a:solidFill>
@@ -20769,7 +20765,7 @@
     </p:spTree>
     <p:extLst>
       <p:ext uri="{BB962C8B-B14F-4D97-AF65-F5344CB8AC3E}">
-        <p14:creationId xmlns:p14="http://schemas.microsoft.com/office/powerpoint/2010/main" val="1453225840"/>
+        <p14:creationId xmlns:p14="http://schemas.microsoft.com/office/powerpoint/2010/main" val="4064934201"/>
       </p:ext>
     </p:extLst>
   </p:cSld>

--- a/2016/02/10/yuv.pptx
+++ b/2016/02/10/yuv.pptx
@@ -14,6 +14,7 @@
     <p:sldId id="272" r:id="rId8"/>
     <p:sldId id="271" r:id="rId9"/>
     <p:sldId id="273" r:id="rId10"/>
+    <p:sldId id="275" r:id="rId11"/>
   </p:sldIdLst>
   <p:sldSz cx="9144000" cy="6858000" type="screen4x3"/>
   <p:notesSz cx="6858000" cy="9144000"/>
@@ -348,7 +349,7 @@
           <a:p>
             <a:fld id="{AEE7C1BB-A76B-3A4F-91E7-3619927110EC}" type="datetimeFigureOut">
               <a:rPr kumimoji="1" lang="ja-JP" altLang="en-US" smtClean="0"/>
-              <a:t>16/02/22</a:t>
+              <a:t>16/04/19</a:t>
             </a:fld>
             <a:endParaRPr kumimoji="1" lang="ja-JP" altLang="en-US"/>
           </a:p>
@@ -493,7 +494,7 @@
           <a:p>
             <a:fld id="{AEE7C1BB-A76B-3A4F-91E7-3619927110EC}" type="datetimeFigureOut">
               <a:rPr kumimoji="1" lang="ja-JP" altLang="en-US" smtClean="0"/>
-              <a:t>16/02/22</a:t>
+              <a:t>16/04/19</a:t>
             </a:fld>
             <a:endParaRPr kumimoji="1" lang="ja-JP" altLang="en-US"/>
           </a:p>
@@ -1078,7 +1079,7 @@
           <a:p>
             <a:fld id="{AEE7C1BB-A76B-3A4F-91E7-3619927110EC}" type="datetimeFigureOut">
               <a:rPr kumimoji="1" lang="ja-JP" altLang="en-US" smtClean="0"/>
-              <a:t>16/02/22</a:t>
+              <a:t>16/04/19</a:t>
             </a:fld>
             <a:endParaRPr kumimoji="1" lang="ja-JP" altLang="en-US"/>
           </a:p>
@@ -1542,7 +1543,7 @@
           <a:p>
             <a:fld id="{AEE7C1BB-A76B-3A4F-91E7-3619927110EC}" type="datetimeFigureOut">
               <a:rPr kumimoji="1" lang="ja-JP" altLang="en-US" smtClean="0"/>
-              <a:t>16/02/22</a:t>
+              <a:t>16/04/19</a:t>
             </a:fld>
             <a:endParaRPr kumimoji="1" lang="ja-JP" altLang="en-US"/>
           </a:p>
@@ -1632,7 +1633,7 @@
           <a:p>
             <a:fld id="{AEE7C1BB-A76B-3A4F-91E7-3619927110EC}" type="datetimeFigureOut">
               <a:rPr kumimoji="1" lang="ja-JP" altLang="en-US" smtClean="0"/>
-              <a:t>16/02/22</a:t>
+              <a:t>16/04/19</a:t>
             </a:fld>
             <a:endParaRPr kumimoji="1" lang="ja-JP" altLang="en-US"/>
           </a:p>
@@ -1942,7 +1943,7 @@
           <a:p>
             <a:fld id="{AEE7C1BB-A76B-3A4F-91E7-3619927110EC}" type="datetimeFigureOut">
               <a:rPr kumimoji="1" lang="ja-JP" altLang="en-US" smtClean="0"/>
-              <a:t>16/02/22</a:t>
+              <a:t>16/04/19</a:t>
             </a:fld>
             <a:endParaRPr kumimoji="1" lang="ja-JP" altLang="en-US"/>
           </a:p>
@@ -2135,7 +2136,7 @@
           <a:p>
             <a:fld id="{AEE7C1BB-A76B-3A4F-91E7-3619927110EC}" type="datetimeFigureOut">
               <a:rPr kumimoji="1" lang="ja-JP" altLang="en-US" smtClean="0"/>
-              <a:t>16/02/22</a:t>
+              <a:t>16/04/19</a:t>
             </a:fld>
             <a:endParaRPr kumimoji="1" lang="ja-JP" altLang="en-US"/>
           </a:p>
@@ -2877,7 +2878,7 @@
           <a:p>
             <a:fld id="{AEE7C1BB-A76B-3A4F-91E7-3619927110EC}" type="datetimeFigureOut">
               <a:rPr kumimoji="1" lang="ja-JP" altLang="en-US" smtClean="0"/>
-              <a:t>16/02/22</a:t>
+              <a:t>16/04/19</a:t>
             </a:fld>
             <a:endParaRPr kumimoji="1" lang="ja-JP" altLang="en-US"/>
           </a:p>
@@ -3215,7 +3216,7 @@
           <a:p>
             <a:fld id="{AEE7C1BB-A76B-3A4F-91E7-3619927110EC}" type="datetimeFigureOut">
               <a:rPr kumimoji="1" lang="ja-JP" altLang="en-US" smtClean="0"/>
-              <a:t>16/02/22</a:t>
+              <a:t>16/04/19</a:t>
             </a:fld>
             <a:endParaRPr kumimoji="1" lang="ja-JP" altLang="en-US"/>
           </a:p>
@@ -3812,7 +3813,7 @@
           <a:p>
             <a:fld id="{AEE7C1BB-A76B-3A4F-91E7-3619927110EC}" type="datetimeFigureOut">
               <a:rPr kumimoji="1" lang="ja-JP" altLang="en-US" smtClean="0"/>
-              <a:t>16/02/22</a:t>
+              <a:t>16/04/19</a:t>
             </a:fld>
             <a:endParaRPr kumimoji="1" lang="ja-JP" altLang="en-US"/>
           </a:p>
@@ -4027,7 +4028,7 @@
           <a:p>
             <a:fld id="{AEE7C1BB-A76B-3A4F-91E7-3619927110EC}" type="datetimeFigureOut">
               <a:rPr kumimoji="1" lang="ja-JP" altLang="en-US" smtClean="0"/>
-              <a:t>16/02/22</a:t>
+              <a:t>16/04/19</a:t>
             </a:fld>
             <a:endParaRPr kumimoji="1" lang="ja-JP" altLang="en-US"/>
           </a:p>
@@ -4228,7 +4229,7 @@
           <a:p>
             <a:fld id="{AEE7C1BB-A76B-3A4F-91E7-3619927110EC}" type="datetimeFigureOut">
               <a:rPr kumimoji="1" lang="ja-JP" altLang="en-US" smtClean="0"/>
-              <a:t>16/02/22</a:t>
+              <a:t>16/04/19</a:t>
             </a:fld>
             <a:endParaRPr kumimoji="1" lang="ja-JP" altLang="en-US"/>
           </a:p>
@@ -4453,7 +4454,7 @@
           <a:p>
             <a:fld id="{AEE7C1BB-A76B-3A4F-91E7-3619927110EC}" type="datetimeFigureOut">
               <a:rPr kumimoji="1" lang="ja-JP" altLang="en-US" smtClean="0"/>
-              <a:t>16/02/22</a:t>
+              <a:t>16/04/19</a:t>
             </a:fld>
             <a:endParaRPr kumimoji="1" lang="ja-JP" altLang="en-US"/>
           </a:p>
@@ -4872,7 +4873,7 @@
           <a:p>
             <a:fld id="{AEE7C1BB-A76B-3A4F-91E7-3619927110EC}" type="datetimeFigureOut">
               <a:rPr kumimoji="1" lang="ja-JP" altLang="en-US" smtClean="0"/>
-              <a:t>16/02/22</a:t>
+              <a:t>16/04/19</a:t>
             </a:fld>
             <a:endParaRPr kumimoji="1" lang="ja-JP" altLang="en-US"/>
           </a:p>
@@ -5170,7 +5171,7 @@
           <a:p>
             <a:fld id="{AEE7C1BB-A76B-3A4F-91E7-3619927110EC}" type="datetimeFigureOut">
               <a:rPr kumimoji="1" lang="ja-JP" altLang="en-US" smtClean="0"/>
-              <a:t>16/02/22</a:t>
+              <a:t>16/04/19</a:t>
             </a:fld>
             <a:endParaRPr kumimoji="1" lang="ja-JP" altLang="en-US"/>
           </a:p>
@@ -5571,7 +5572,7 @@
           <a:p>
             <a:fld id="{AEE7C1BB-A76B-3A4F-91E7-3619927110EC}" type="datetimeFigureOut">
               <a:rPr kumimoji="1" lang="ja-JP" altLang="en-US" smtClean="0"/>
-              <a:t>16/02/22</a:t>
+              <a:t>16/04/19</a:t>
             </a:fld>
             <a:endParaRPr kumimoji="1" lang="ja-JP" altLang="en-US"/>
           </a:p>
@@ -5961,7 +5962,7 @@
           <a:p>
             <a:fld id="{AEE7C1BB-A76B-3A4F-91E7-3619927110EC}" type="datetimeFigureOut">
               <a:rPr kumimoji="1" lang="ja-JP" altLang="en-US" smtClean="0"/>
-              <a:t>16/02/22</a:t>
+              <a:t>16/04/19</a:t>
             </a:fld>
             <a:endParaRPr kumimoji="1" lang="ja-JP" altLang="en-US"/>
           </a:p>
@@ -6308,7 +6309,7 @@
           <a:p>
             <a:fld id="{AEE7C1BB-A76B-3A4F-91E7-3619927110EC}" type="datetimeFigureOut">
               <a:rPr kumimoji="1" lang="ja-JP" altLang="en-US" smtClean="0"/>
-              <a:t>16/02/22</a:t>
+              <a:t>16/04/19</a:t>
             </a:fld>
             <a:endParaRPr kumimoji="1" lang="ja-JP" altLang="en-US"/>
           </a:p>
@@ -6811,7 +6812,7 @@
           <a:p>
             <a:fld id="{AEE7C1BB-A76B-3A4F-91E7-3619927110EC}" type="datetimeFigureOut">
               <a:rPr kumimoji="1" lang="ja-JP" altLang="en-US" smtClean="0"/>
-              <a:t>16/02/22</a:t>
+              <a:t>16/04/19</a:t>
             </a:fld>
             <a:endParaRPr kumimoji="1" lang="ja-JP" altLang="en-US"/>
           </a:p>
@@ -7137,7 +7138,7 @@
           <a:p>
             <a:fld id="{AEE7C1BB-A76B-3A4F-91E7-3619927110EC}" type="datetimeFigureOut">
               <a:rPr kumimoji="1" lang="ja-JP" altLang="en-US" smtClean="0"/>
-              <a:t>16/02/22</a:t>
+              <a:t>16/04/19</a:t>
             </a:fld>
             <a:endParaRPr kumimoji="1" lang="ja-JP" altLang="en-US"/>
           </a:p>
@@ -7493,7 +7494,7 @@
           <a:p>
             <a:fld id="{AEE7C1BB-A76B-3A4F-91E7-3619927110EC}" type="datetimeFigureOut">
               <a:rPr kumimoji="1" lang="ja-JP" altLang="en-US" smtClean="0"/>
-              <a:t>16/02/22</a:t>
+              <a:t>16/04/19</a:t>
             </a:fld>
             <a:endParaRPr kumimoji="1" lang="ja-JP" altLang="en-US"/>
           </a:p>
@@ -7992,6 +7993,2103 @@
 </p:sld>
 </file>
 
+<file path=ppt/slides/slide10.xml><?xml version="1.0" encoding="utf-8"?>
+<p:sld xmlns:a="http://schemas.openxmlformats.org/drawingml/2006/main" xmlns:r="http://schemas.openxmlformats.org/officeDocument/2006/relationships" xmlns:p="http://schemas.openxmlformats.org/presentationml/2006/main">
+  <p:cSld>
+    <p:spTree>
+      <p:nvGrpSpPr>
+        <p:cNvPr id="1" name=""/>
+        <p:cNvGrpSpPr/>
+        <p:nvPr/>
+      </p:nvGrpSpPr>
+      <p:grpSpPr>
+        <a:xfrm>
+          <a:off x="0" y="0"/>
+          <a:ext cx="0" cy="0"/>
+          <a:chOff x="0" y="0"/>
+          <a:chExt cx="0" cy="0"/>
+        </a:xfrm>
+      </p:grpSpPr>
+      <p:sp>
+        <p:nvSpPr>
+          <p:cNvPr id="2" name="タイトル 1"/>
+          <p:cNvSpPr>
+            <a:spLocks noGrp="1"/>
+          </p:cNvSpPr>
+          <p:nvPr>
+            <p:ph type="title"/>
+          </p:nvPr>
+        </p:nvSpPr>
+        <p:spPr/>
+        <p:txBody>
+          <a:bodyPr/>
+          <a:lstStyle/>
+          <a:p>
+            <a:r>
+              <a:rPr kumimoji="1" lang="en-US" altLang="ja-JP" dirty="0" smtClean="0"/>
+              <a:t>YUV41</a:t>
+            </a:r>
+            <a:r>
+              <a:rPr lang="en-US" altLang="ja-JP" dirty="0"/>
+              <a:t>0</a:t>
+            </a:r>
+            <a:r>
+              <a:rPr kumimoji="1" lang="ja-JP" altLang="en-US" dirty="0" smtClean="0"/>
+              <a:t> の</a:t>
+            </a:r>
+            <a:r>
+              <a:rPr kumimoji="1" lang="ja-JP" altLang="en-US" dirty="0" smtClean="0"/>
+              <a:t>例</a:t>
+            </a:r>
+            <a:r>
+              <a:rPr kumimoji="1" lang="en-US" altLang="ja-JP" dirty="0" smtClean="0"/>
+              <a:t>2</a:t>
+            </a:r>
+            <a:endParaRPr kumimoji="1" lang="ja-JP" altLang="en-US" dirty="0"/>
+          </a:p>
+        </p:txBody>
+      </p:sp>
+      <p:sp>
+        <p:nvSpPr>
+          <p:cNvPr id="3" name="コンテンツ プレースホルダー 2"/>
+          <p:cNvSpPr>
+            <a:spLocks noGrp="1"/>
+          </p:cNvSpPr>
+          <p:nvPr>
+            <p:ph idx="1"/>
+          </p:nvPr>
+        </p:nvSpPr>
+        <p:spPr/>
+        <p:txBody>
+          <a:bodyPr/>
+          <a:lstStyle/>
+          <a:p>
+            <a:pPr marL="0" indent="0">
+              <a:buNone/>
+            </a:pPr>
+            <a:endParaRPr kumimoji="1" lang="ja-JP" altLang="en-US" dirty="0"/>
+          </a:p>
+        </p:txBody>
+      </p:sp>
+      <p:sp>
+        <p:nvSpPr>
+          <p:cNvPr id="4" name="正方形/長方形 3"/>
+          <p:cNvSpPr/>
+          <p:nvPr/>
+        </p:nvSpPr>
+        <p:spPr>
+          <a:xfrm>
+            <a:off x="1014448" y="2164084"/>
+            <a:ext cx="6869482" cy="3627787"/>
+          </a:xfrm>
+          <a:prstGeom prst="rect">
+            <a:avLst/>
+          </a:prstGeom>
+        </p:spPr>
+        <p:style>
+          <a:lnRef idx="1">
+            <a:schemeClr val="accent1"/>
+          </a:lnRef>
+          <a:fillRef idx="3">
+            <a:schemeClr val="accent1"/>
+          </a:fillRef>
+          <a:effectRef idx="2">
+            <a:schemeClr val="accent1"/>
+          </a:effectRef>
+          <a:fontRef idx="minor">
+            <a:schemeClr val="lt1"/>
+          </a:fontRef>
+        </p:style>
+        <p:txBody>
+          <a:bodyPr rtlCol="0" anchor="ctr"/>
+          <a:lstStyle/>
+          <a:p>
+            <a:pPr algn="ctr"/>
+            <a:endParaRPr kumimoji="1" lang="ja-JP" altLang="en-US"/>
+          </a:p>
+        </p:txBody>
+      </p:sp>
+      <p:sp>
+        <p:nvSpPr>
+          <p:cNvPr id="5" name="正方形/長方形 4"/>
+          <p:cNvSpPr/>
+          <p:nvPr/>
+        </p:nvSpPr>
+        <p:spPr>
+          <a:xfrm>
+            <a:off x="1207103" y="2363765"/>
+            <a:ext cx="1516727" cy="592981"/>
+          </a:xfrm>
+          <a:prstGeom prst="rect">
+            <a:avLst/>
+          </a:prstGeom>
+          <a:solidFill>
+            <a:schemeClr val="tx1"/>
+          </a:solidFill>
+        </p:spPr>
+        <p:style>
+          <a:lnRef idx="1">
+            <a:schemeClr val="accent1"/>
+          </a:lnRef>
+          <a:fillRef idx="3">
+            <a:schemeClr val="accent1"/>
+          </a:fillRef>
+          <a:effectRef idx="2">
+            <a:schemeClr val="accent1"/>
+          </a:effectRef>
+          <a:fontRef idx="minor">
+            <a:schemeClr val="lt1"/>
+          </a:fontRef>
+        </p:style>
+        <p:txBody>
+          <a:bodyPr rtlCol="0" anchor="ctr"/>
+          <a:lstStyle/>
+          <a:p>
+            <a:pPr algn="ctr"/>
+            <a:endParaRPr kumimoji="1" lang="ja-JP" altLang="en-US"/>
+          </a:p>
+        </p:txBody>
+      </p:sp>
+      <p:sp>
+        <p:nvSpPr>
+          <p:cNvPr id="6" name="正方形/長方形 5"/>
+          <p:cNvSpPr/>
+          <p:nvPr/>
+        </p:nvSpPr>
+        <p:spPr>
+          <a:xfrm>
+            <a:off x="1310629" y="2501101"/>
+            <a:ext cx="375110" cy="342163"/>
+          </a:xfrm>
+          <a:prstGeom prst="rect">
+            <a:avLst/>
+          </a:prstGeom>
+          <a:solidFill>
+            <a:schemeClr val="bg1">
+              <a:lumMod val="75000"/>
+            </a:schemeClr>
+          </a:solidFill>
+        </p:spPr>
+        <p:style>
+          <a:lnRef idx="1">
+            <a:schemeClr val="accent1"/>
+          </a:lnRef>
+          <a:fillRef idx="3">
+            <a:schemeClr val="accent1"/>
+          </a:fillRef>
+          <a:effectRef idx="2">
+            <a:schemeClr val="accent1"/>
+          </a:effectRef>
+          <a:fontRef idx="minor">
+            <a:schemeClr val="lt1"/>
+          </a:fontRef>
+        </p:style>
+        <p:txBody>
+          <a:bodyPr wrap="none" rtlCol="0" anchor="ctr"/>
+          <a:lstStyle/>
+          <a:p>
+            <a:pPr algn="ctr"/>
+            <a:r>
+              <a:rPr lang="en-US" altLang="ja-JP" b="1" dirty="0" smtClean="0">
+                <a:effectLst>
+                  <a:outerShdw blurRad="50800" dist="38100" dir="2700000" algn="tl" rotWithShape="0">
+                    <a:srgbClr val="000000">
+                      <a:alpha val="43000"/>
+                    </a:srgbClr>
+                  </a:outerShdw>
+                </a:effectLst>
+              </a:rPr>
+              <a:t>Y</a:t>
+            </a:r>
+            <a:endParaRPr kumimoji="1" lang="ja-JP" altLang="en-US" b="1" dirty="0">
+              <a:effectLst>
+                <a:outerShdw blurRad="50800" dist="38100" dir="2700000" algn="tl" rotWithShape="0">
+                  <a:srgbClr val="000000">
+                    <a:alpha val="43000"/>
+                  </a:srgbClr>
+                </a:outerShdw>
+              </a:effectLst>
+            </a:endParaRPr>
+          </a:p>
+        </p:txBody>
+      </p:sp>
+      <p:sp>
+        <p:nvSpPr>
+          <p:cNvPr id="7" name="正方形/長方形 6"/>
+          <p:cNvSpPr/>
+          <p:nvPr/>
+        </p:nvSpPr>
+        <p:spPr>
+          <a:xfrm>
+            <a:off x="1790212" y="2501101"/>
+            <a:ext cx="375110" cy="342163"/>
+          </a:xfrm>
+          <a:prstGeom prst="rect">
+            <a:avLst/>
+          </a:prstGeom>
+          <a:solidFill>
+            <a:srgbClr val="0037FF"/>
+          </a:solidFill>
+        </p:spPr>
+        <p:style>
+          <a:lnRef idx="1">
+            <a:schemeClr val="accent1"/>
+          </a:lnRef>
+          <a:fillRef idx="3">
+            <a:schemeClr val="accent1"/>
+          </a:fillRef>
+          <a:effectRef idx="2">
+            <a:schemeClr val="accent1"/>
+          </a:effectRef>
+          <a:fontRef idx="minor">
+            <a:schemeClr val="lt1"/>
+          </a:fontRef>
+        </p:style>
+        <p:txBody>
+          <a:bodyPr wrap="none" rtlCol="0" anchor="ctr"/>
+          <a:lstStyle/>
+          <a:p>
+            <a:pPr algn="ctr"/>
+            <a:r>
+              <a:rPr lang="en-US" altLang="ja-JP" b="1" dirty="0" err="1" smtClean="0">
+                <a:effectLst>
+                  <a:outerShdw blurRad="50800" dist="38100" dir="2700000" algn="tl" rotWithShape="0">
+                    <a:srgbClr val="000000">
+                      <a:alpha val="43000"/>
+                    </a:srgbClr>
+                  </a:outerShdw>
+                </a:effectLst>
+              </a:rPr>
+              <a:t>Cb</a:t>
+            </a:r>
+            <a:endParaRPr kumimoji="1" lang="ja-JP" altLang="en-US" b="1" dirty="0">
+              <a:effectLst>
+                <a:outerShdw blurRad="50800" dist="38100" dir="2700000" algn="tl" rotWithShape="0">
+                  <a:srgbClr val="000000">
+                    <a:alpha val="43000"/>
+                  </a:srgbClr>
+                </a:outerShdw>
+              </a:effectLst>
+            </a:endParaRPr>
+          </a:p>
+        </p:txBody>
+      </p:sp>
+      <p:sp>
+        <p:nvSpPr>
+          <p:cNvPr id="8" name="正方形/長方形 7"/>
+          <p:cNvSpPr/>
+          <p:nvPr/>
+        </p:nvSpPr>
+        <p:spPr>
+          <a:xfrm>
+            <a:off x="2262125" y="2495043"/>
+            <a:ext cx="375110" cy="342163"/>
+          </a:xfrm>
+          <a:prstGeom prst="rect">
+            <a:avLst/>
+          </a:prstGeom>
+          <a:solidFill>
+            <a:srgbClr val="FF0000"/>
+          </a:solidFill>
+        </p:spPr>
+        <p:style>
+          <a:lnRef idx="1">
+            <a:schemeClr val="accent1"/>
+          </a:lnRef>
+          <a:fillRef idx="3">
+            <a:schemeClr val="accent1"/>
+          </a:fillRef>
+          <a:effectRef idx="2">
+            <a:schemeClr val="accent1"/>
+          </a:effectRef>
+          <a:fontRef idx="minor">
+            <a:schemeClr val="lt1"/>
+          </a:fontRef>
+        </p:style>
+        <p:txBody>
+          <a:bodyPr wrap="none" rtlCol="0" anchor="ctr"/>
+          <a:lstStyle/>
+          <a:p>
+            <a:pPr algn="ctr"/>
+            <a:r>
+              <a:rPr lang="en-US" altLang="ja-JP" b="1" dirty="0" smtClean="0">
+                <a:effectLst>
+                  <a:outerShdw blurRad="50800" dist="38100" dir="2700000" algn="tl" rotWithShape="0">
+                    <a:srgbClr val="000000">
+                      <a:alpha val="43000"/>
+                    </a:srgbClr>
+                  </a:outerShdw>
+                </a:effectLst>
+              </a:rPr>
+              <a:t>Cr</a:t>
+            </a:r>
+            <a:endParaRPr kumimoji="1" lang="ja-JP" altLang="en-US" b="1" dirty="0">
+              <a:effectLst>
+                <a:outerShdw blurRad="50800" dist="38100" dir="2700000" algn="tl" rotWithShape="0">
+                  <a:srgbClr val="000000">
+                    <a:alpha val="43000"/>
+                  </a:srgbClr>
+                </a:outerShdw>
+              </a:effectLst>
+            </a:endParaRPr>
+          </a:p>
+        </p:txBody>
+      </p:sp>
+      <p:sp>
+        <p:nvSpPr>
+          <p:cNvPr id="41" name="正方形/長方形 40"/>
+          <p:cNvSpPr/>
+          <p:nvPr/>
+        </p:nvSpPr>
+        <p:spPr>
+          <a:xfrm>
+            <a:off x="2869515" y="2365694"/>
+            <a:ext cx="1516727" cy="592981"/>
+          </a:xfrm>
+          <a:prstGeom prst="rect">
+            <a:avLst/>
+          </a:prstGeom>
+          <a:solidFill>
+            <a:schemeClr val="tx1"/>
+          </a:solidFill>
+        </p:spPr>
+        <p:style>
+          <a:lnRef idx="1">
+            <a:schemeClr val="accent1"/>
+          </a:lnRef>
+          <a:fillRef idx="3">
+            <a:schemeClr val="accent1"/>
+          </a:fillRef>
+          <a:effectRef idx="2">
+            <a:schemeClr val="accent1"/>
+          </a:effectRef>
+          <a:fontRef idx="minor">
+            <a:schemeClr val="lt1"/>
+          </a:fontRef>
+        </p:style>
+        <p:txBody>
+          <a:bodyPr rtlCol="0" anchor="ctr"/>
+          <a:lstStyle/>
+          <a:p>
+            <a:pPr algn="ctr"/>
+            <a:endParaRPr kumimoji="1" lang="ja-JP" altLang="en-US"/>
+          </a:p>
+        </p:txBody>
+      </p:sp>
+      <p:sp>
+        <p:nvSpPr>
+          <p:cNvPr id="42" name="正方形/長方形 41"/>
+          <p:cNvSpPr/>
+          <p:nvPr/>
+        </p:nvSpPr>
+        <p:spPr>
+          <a:xfrm>
+            <a:off x="2973041" y="2503030"/>
+            <a:ext cx="375110" cy="342163"/>
+          </a:xfrm>
+          <a:prstGeom prst="rect">
+            <a:avLst/>
+          </a:prstGeom>
+          <a:solidFill>
+            <a:schemeClr val="bg1">
+              <a:lumMod val="75000"/>
+            </a:schemeClr>
+          </a:solidFill>
+        </p:spPr>
+        <p:style>
+          <a:lnRef idx="1">
+            <a:schemeClr val="accent1"/>
+          </a:lnRef>
+          <a:fillRef idx="3">
+            <a:schemeClr val="accent1"/>
+          </a:fillRef>
+          <a:effectRef idx="2">
+            <a:schemeClr val="accent1"/>
+          </a:effectRef>
+          <a:fontRef idx="minor">
+            <a:schemeClr val="lt1"/>
+          </a:fontRef>
+        </p:style>
+        <p:txBody>
+          <a:bodyPr wrap="none" rtlCol="0" anchor="ctr"/>
+          <a:lstStyle/>
+          <a:p>
+            <a:pPr algn="ctr"/>
+            <a:r>
+              <a:rPr lang="en-US" altLang="ja-JP" b="1" dirty="0" smtClean="0">
+                <a:effectLst>
+                  <a:outerShdw blurRad="50800" dist="38100" dir="2700000" algn="tl" rotWithShape="0">
+                    <a:srgbClr val="000000">
+                      <a:alpha val="43000"/>
+                    </a:srgbClr>
+                  </a:outerShdw>
+                </a:effectLst>
+              </a:rPr>
+              <a:t>Y</a:t>
+            </a:r>
+            <a:endParaRPr kumimoji="1" lang="ja-JP" altLang="en-US" b="1" dirty="0">
+              <a:effectLst>
+                <a:outerShdw blurRad="50800" dist="38100" dir="2700000" algn="tl" rotWithShape="0">
+                  <a:srgbClr val="000000">
+                    <a:alpha val="43000"/>
+                  </a:srgbClr>
+                </a:outerShdw>
+              </a:effectLst>
+            </a:endParaRPr>
+          </a:p>
+        </p:txBody>
+      </p:sp>
+      <p:sp>
+        <p:nvSpPr>
+          <p:cNvPr id="45" name="正方形/長方形 44"/>
+          <p:cNvSpPr/>
+          <p:nvPr/>
+        </p:nvSpPr>
+        <p:spPr>
+          <a:xfrm>
+            <a:off x="4522659" y="2363765"/>
+            <a:ext cx="1516727" cy="592981"/>
+          </a:xfrm>
+          <a:prstGeom prst="rect">
+            <a:avLst/>
+          </a:prstGeom>
+          <a:solidFill>
+            <a:schemeClr val="tx1"/>
+          </a:solidFill>
+        </p:spPr>
+        <p:style>
+          <a:lnRef idx="1">
+            <a:schemeClr val="accent1"/>
+          </a:lnRef>
+          <a:fillRef idx="3">
+            <a:schemeClr val="accent1"/>
+          </a:fillRef>
+          <a:effectRef idx="2">
+            <a:schemeClr val="accent1"/>
+          </a:effectRef>
+          <a:fontRef idx="minor">
+            <a:schemeClr val="lt1"/>
+          </a:fontRef>
+        </p:style>
+        <p:txBody>
+          <a:bodyPr rtlCol="0" anchor="ctr"/>
+          <a:lstStyle/>
+          <a:p>
+            <a:pPr algn="ctr"/>
+            <a:endParaRPr kumimoji="1" lang="ja-JP" altLang="en-US"/>
+          </a:p>
+        </p:txBody>
+      </p:sp>
+      <p:sp>
+        <p:nvSpPr>
+          <p:cNvPr id="46" name="正方形/長方形 45"/>
+          <p:cNvSpPr/>
+          <p:nvPr/>
+        </p:nvSpPr>
+        <p:spPr>
+          <a:xfrm>
+            <a:off x="4626185" y="2501101"/>
+            <a:ext cx="375110" cy="342163"/>
+          </a:xfrm>
+          <a:prstGeom prst="rect">
+            <a:avLst/>
+          </a:prstGeom>
+          <a:solidFill>
+            <a:schemeClr val="bg1">
+              <a:lumMod val="75000"/>
+            </a:schemeClr>
+          </a:solidFill>
+        </p:spPr>
+        <p:style>
+          <a:lnRef idx="1">
+            <a:schemeClr val="accent1"/>
+          </a:lnRef>
+          <a:fillRef idx="3">
+            <a:schemeClr val="accent1"/>
+          </a:fillRef>
+          <a:effectRef idx="2">
+            <a:schemeClr val="accent1"/>
+          </a:effectRef>
+          <a:fontRef idx="minor">
+            <a:schemeClr val="lt1"/>
+          </a:fontRef>
+        </p:style>
+        <p:txBody>
+          <a:bodyPr wrap="none" rtlCol="0" anchor="ctr"/>
+          <a:lstStyle/>
+          <a:p>
+            <a:pPr algn="ctr"/>
+            <a:r>
+              <a:rPr lang="en-US" altLang="ja-JP" b="1" dirty="0" smtClean="0">
+                <a:effectLst>
+                  <a:outerShdw blurRad="50800" dist="38100" dir="2700000" algn="tl" rotWithShape="0">
+                    <a:srgbClr val="000000">
+                      <a:alpha val="43000"/>
+                    </a:srgbClr>
+                  </a:outerShdw>
+                </a:effectLst>
+              </a:rPr>
+              <a:t>Y</a:t>
+            </a:r>
+            <a:endParaRPr kumimoji="1" lang="ja-JP" altLang="en-US" b="1" dirty="0">
+              <a:effectLst>
+                <a:outerShdw blurRad="50800" dist="38100" dir="2700000" algn="tl" rotWithShape="0">
+                  <a:srgbClr val="000000">
+                    <a:alpha val="43000"/>
+                  </a:srgbClr>
+                </a:outerShdw>
+              </a:effectLst>
+            </a:endParaRPr>
+          </a:p>
+        </p:txBody>
+      </p:sp>
+      <p:sp>
+        <p:nvSpPr>
+          <p:cNvPr id="49" name="正方形/長方形 48"/>
+          <p:cNvSpPr/>
+          <p:nvPr/>
+        </p:nvSpPr>
+        <p:spPr>
+          <a:xfrm>
+            <a:off x="6161107" y="2365694"/>
+            <a:ext cx="1516727" cy="592981"/>
+          </a:xfrm>
+          <a:prstGeom prst="rect">
+            <a:avLst/>
+          </a:prstGeom>
+          <a:solidFill>
+            <a:schemeClr val="tx1"/>
+          </a:solidFill>
+        </p:spPr>
+        <p:style>
+          <a:lnRef idx="1">
+            <a:schemeClr val="accent1"/>
+          </a:lnRef>
+          <a:fillRef idx="3">
+            <a:schemeClr val="accent1"/>
+          </a:fillRef>
+          <a:effectRef idx="2">
+            <a:schemeClr val="accent1"/>
+          </a:effectRef>
+          <a:fontRef idx="minor">
+            <a:schemeClr val="lt1"/>
+          </a:fontRef>
+        </p:style>
+        <p:txBody>
+          <a:bodyPr rtlCol="0" anchor="ctr"/>
+          <a:lstStyle/>
+          <a:p>
+            <a:pPr algn="ctr"/>
+            <a:endParaRPr kumimoji="1" lang="ja-JP" altLang="en-US"/>
+          </a:p>
+        </p:txBody>
+      </p:sp>
+      <p:sp>
+        <p:nvSpPr>
+          <p:cNvPr id="50" name="正方形/長方形 49"/>
+          <p:cNvSpPr/>
+          <p:nvPr/>
+        </p:nvSpPr>
+        <p:spPr>
+          <a:xfrm>
+            <a:off x="6264633" y="2503030"/>
+            <a:ext cx="375110" cy="342163"/>
+          </a:xfrm>
+          <a:prstGeom prst="rect">
+            <a:avLst/>
+          </a:prstGeom>
+          <a:solidFill>
+            <a:schemeClr val="bg1">
+              <a:lumMod val="75000"/>
+            </a:schemeClr>
+          </a:solidFill>
+        </p:spPr>
+        <p:style>
+          <a:lnRef idx="1">
+            <a:schemeClr val="accent1"/>
+          </a:lnRef>
+          <a:fillRef idx="3">
+            <a:schemeClr val="accent1"/>
+          </a:fillRef>
+          <a:effectRef idx="2">
+            <a:schemeClr val="accent1"/>
+          </a:effectRef>
+          <a:fontRef idx="minor">
+            <a:schemeClr val="lt1"/>
+          </a:fontRef>
+        </p:style>
+        <p:txBody>
+          <a:bodyPr wrap="none" rtlCol="0" anchor="ctr"/>
+          <a:lstStyle/>
+          <a:p>
+            <a:pPr algn="ctr"/>
+            <a:r>
+              <a:rPr lang="en-US" altLang="ja-JP" b="1" dirty="0" smtClean="0">
+                <a:effectLst>
+                  <a:outerShdw blurRad="50800" dist="38100" dir="2700000" algn="tl" rotWithShape="0">
+                    <a:srgbClr val="000000">
+                      <a:alpha val="43000"/>
+                    </a:srgbClr>
+                  </a:outerShdw>
+                </a:effectLst>
+              </a:rPr>
+              <a:t>Y</a:t>
+            </a:r>
+            <a:endParaRPr kumimoji="1" lang="ja-JP" altLang="en-US" b="1" dirty="0">
+              <a:effectLst>
+                <a:outerShdw blurRad="50800" dist="38100" dir="2700000" algn="tl" rotWithShape="0">
+                  <a:srgbClr val="000000">
+                    <a:alpha val="43000"/>
+                  </a:srgbClr>
+                </a:outerShdw>
+              </a:effectLst>
+            </a:endParaRPr>
+          </a:p>
+        </p:txBody>
+      </p:sp>
+      <p:sp>
+        <p:nvSpPr>
+          <p:cNvPr id="53" name="正方形/長方形 52"/>
+          <p:cNvSpPr/>
+          <p:nvPr/>
+        </p:nvSpPr>
+        <p:spPr>
+          <a:xfrm>
+            <a:off x="1207731" y="3268661"/>
+            <a:ext cx="1516727" cy="592981"/>
+          </a:xfrm>
+          <a:prstGeom prst="rect">
+            <a:avLst/>
+          </a:prstGeom>
+          <a:solidFill>
+            <a:schemeClr val="tx1"/>
+          </a:solidFill>
+        </p:spPr>
+        <p:style>
+          <a:lnRef idx="1">
+            <a:schemeClr val="accent1"/>
+          </a:lnRef>
+          <a:fillRef idx="3">
+            <a:schemeClr val="accent1"/>
+          </a:fillRef>
+          <a:effectRef idx="2">
+            <a:schemeClr val="accent1"/>
+          </a:effectRef>
+          <a:fontRef idx="minor">
+            <a:schemeClr val="lt1"/>
+          </a:fontRef>
+        </p:style>
+        <p:txBody>
+          <a:bodyPr rtlCol="0" anchor="ctr"/>
+          <a:lstStyle/>
+          <a:p>
+            <a:pPr algn="ctr"/>
+            <a:endParaRPr kumimoji="1" lang="ja-JP" altLang="en-US"/>
+          </a:p>
+        </p:txBody>
+      </p:sp>
+      <p:sp>
+        <p:nvSpPr>
+          <p:cNvPr id="54" name="正方形/長方形 53"/>
+          <p:cNvSpPr/>
+          <p:nvPr/>
+        </p:nvSpPr>
+        <p:spPr>
+          <a:xfrm>
+            <a:off x="1311257" y="3423159"/>
+            <a:ext cx="375110" cy="342163"/>
+          </a:xfrm>
+          <a:prstGeom prst="rect">
+            <a:avLst/>
+          </a:prstGeom>
+          <a:solidFill>
+            <a:schemeClr val="bg1">
+              <a:lumMod val="75000"/>
+            </a:schemeClr>
+          </a:solidFill>
+        </p:spPr>
+        <p:style>
+          <a:lnRef idx="1">
+            <a:schemeClr val="accent1"/>
+          </a:lnRef>
+          <a:fillRef idx="3">
+            <a:schemeClr val="accent1"/>
+          </a:fillRef>
+          <a:effectRef idx="2">
+            <a:schemeClr val="accent1"/>
+          </a:effectRef>
+          <a:fontRef idx="minor">
+            <a:schemeClr val="lt1"/>
+          </a:fontRef>
+        </p:style>
+        <p:txBody>
+          <a:bodyPr wrap="none" rtlCol="0" anchor="ctr"/>
+          <a:lstStyle/>
+          <a:p>
+            <a:pPr algn="ctr"/>
+            <a:r>
+              <a:rPr lang="en-US" altLang="ja-JP" b="1" dirty="0" smtClean="0">
+                <a:effectLst>
+                  <a:outerShdw blurRad="50800" dist="38100" dir="2700000" algn="tl" rotWithShape="0">
+                    <a:srgbClr val="000000">
+                      <a:alpha val="43000"/>
+                    </a:srgbClr>
+                  </a:outerShdw>
+                </a:effectLst>
+              </a:rPr>
+              <a:t>Y</a:t>
+            </a:r>
+            <a:endParaRPr kumimoji="1" lang="ja-JP" altLang="en-US" b="1" dirty="0">
+              <a:effectLst>
+                <a:outerShdw blurRad="50800" dist="38100" dir="2700000" algn="tl" rotWithShape="0">
+                  <a:srgbClr val="000000">
+                    <a:alpha val="43000"/>
+                  </a:srgbClr>
+                </a:outerShdw>
+              </a:effectLst>
+            </a:endParaRPr>
+          </a:p>
+        </p:txBody>
+      </p:sp>
+      <p:sp>
+        <p:nvSpPr>
+          <p:cNvPr id="57" name="正方形/長方形 56"/>
+          <p:cNvSpPr/>
+          <p:nvPr/>
+        </p:nvSpPr>
+        <p:spPr>
+          <a:xfrm>
+            <a:off x="2870143" y="3270590"/>
+            <a:ext cx="1516727" cy="592981"/>
+          </a:xfrm>
+          <a:prstGeom prst="rect">
+            <a:avLst/>
+          </a:prstGeom>
+          <a:solidFill>
+            <a:schemeClr val="tx1"/>
+          </a:solidFill>
+        </p:spPr>
+        <p:style>
+          <a:lnRef idx="1">
+            <a:schemeClr val="accent1"/>
+          </a:lnRef>
+          <a:fillRef idx="3">
+            <a:schemeClr val="accent1"/>
+          </a:fillRef>
+          <a:effectRef idx="2">
+            <a:schemeClr val="accent1"/>
+          </a:effectRef>
+          <a:fontRef idx="minor">
+            <a:schemeClr val="lt1"/>
+          </a:fontRef>
+        </p:style>
+        <p:txBody>
+          <a:bodyPr rtlCol="0" anchor="ctr"/>
+          <a:lstStyle/>
+          <a:p>
+            <a:pPr algn="ctr"/>
+            <a:endParaRPr kumimoji="1" lang="ja-JP" altLang="en-US"/>
+          </a:p>
+        </p:txBody>
+      </p:sp>
+      <p:sp>
+        <p:nvSpPr>
+          <p:cNvPr id="58" name="正方形/長方形 57"/>
+          <p:cNvSpPr/>
+          <p:nvPr/>
+        </p:nvSpPr>
+        <p:spPr>
+          <a:xfrm>
+            <a:off x="2973669" y="3425088"/>
+            <a:ext cx="375110" cy="342163"/>
+          </a:xfrm>
+          <a:prstGeom prst="rect">
+            <a:avLst/>
+          </a:prstGeom>
+          <a:solidFill>
+            <a:schemeClr val="bg1">
+              <a:lumMod val="75000"/>
+            </a:schemeClr>
+          </a:solidFill>
+        </p:spPr>
+        <p:style>
+          <a:lnRef idx="1">
+            <a:schemeClr val="accent1"/>
+          </a:lnRef>
+          <a:fillRef idx="3">
+            <a:schemeClr val="accent1"/>
+          </a:fillRef>
+          <a:effectRef idx="2">
+            <a:schemeClr val="accent1"/>
+          </a:effectRef>
+          <a:fontRef idx="minor">
+            <a:schemeClr val="lt1"/>
+          </a:fontRef>
+        </p:style>
+        <p:txBody>
+          <a:bodyPr wrap="none" rtlCol="0" anchor="ctr"/>
+          <a:lstStyle/>
+          <a:p>
+            <a:pPr algn="ctr"/>
+            <a:r>
+              <a:rPr lang="en-US" altLang="ja-JP" b="1" dirty="0" smtClean="0">
+                <a:effectLst>
+                  <a:outerShdw blurRad="50800" dist="38100" dir="2700000" algn="tl" rotWithShape="0">
+                    <a:srgbClr val="000000">
+                      <a:alpha val="43000"/>
+                    </a:srgbClr>
+                  </a:outerShdw>
+                </a:effectLst>
+              </a:rPr>
+              <a:t>Y</a:t>
+            </a:r>
+            <a:endParaRPr kumimoji="1" lang="ja-JP" altLang="en-US" b="1" dirty="0">
+              <a:effectLst>
+                <a:outerShdw blurRad="50800" dist="38100" dir="2700000" algn="tl" rotWithShape="0">
+                  <a:srgbClr val="000000">
+                    <a:alpha val="43000"/>
+                  </a:srgbClr>
+                </a:outerShdw>
+              </a:effectLst>
+            </a:endParaRPr>
+          </a:p>
+        </p:txBody>
+      </p:sp>
+      <p:sp>
+        <p:nvSpPr>
+          <p:cNvPr id="61" name="正方形/長方形 60"/>
+          <p:cNvSpPr/>
+          <p:nvPr/>
+        </p:nvSpPr>
+        <p:spPr>
+          <a:xfrm>
+            <a:off x="4523287" y="3268661"/>
+            <a:ext cx="1516727" cy="592981"/>
+          </a:xfrm>
+          <a:prstGeom prst="rect">
+            <a:avLst/>
+          </a:prstGeom>
+          <a:solidFill>
+            <a:schemeClr val="tx1"/>
+          </a:solidFill>
+        </p:spPr>
+        <p:style>
+          <a:lnRef idx="1">
+            <a:schemeClr val="accent1"/>
+          </a:lnRef>
+          <a:fillRef idx="3">
+            <a:schemeClr val="accent1"/>
+          </a:fillRef>
+          <a:effectRef idx="2">
+            <a:schemeClr val="accent1"/>
+          </a:effectRef>
+          <a:fontRef idx="minor">
+            <a:schemeClr val="lt1"/>
+          </a:fontRef>
+        </p:style>
+        <p:txBody>
+          <a:bodyPr rtlCol="0" anchor="ctr"/>
+          <a:lstStyle/>
+          <a:p>
+            <a:pPr algn="ctr"/>
+            <a:endParaRPr kumimoji="1" lang="ja-JP" altLang="en-US"/>
+          </a:p>
+        </p:txBody>
+      </p:sp>
+      <p:sp>
+        <p:nvSpPr>
+          <p:cNvPr id="62" name="正方形/長方形 61"/>
+          <p:cNvSpPr/>
+          <p:nvPr/>
+        </p:nvSpPr>
+        <p:spPr>
+          <a:xfrm>
+            <a:off x="4626813" y="3423159"/>
+            <a:ext cx="375110" cy="342163"/>
+          </a:xfrm>
+          <a:prstGeom prst="rect">
+            <a:avLst/>
+          </a:prstGeom>
+          <a:solidFill>
+            <a:schemeClr val="bg1">
+              <a:lumMod val="75000"/>
+            </a:schemeClr>
+          </a:solidFill>
+        </p:spPr>
+        <p:style>
+          <a:lnRef idx="1">
+            <a:schemeClr val="accent1"/>
+          </a:lnRef>
+          <a:fillRef idx="3">
+            <a:schemeClr val="accent1"/>
+          </a:fillRef>
+          <a:effectRef idx="2">
+            <a:schemeClr val="accent1"/>
+          </a:effectRef>
+          <a:fontRef idx="minor">
+            <a:schemeClr val="lt1"/>
+          </a:fontRef>
+        </p:style>
+        <p:txBody>
+          <a:bodyPr wrap="none" rtlCol="0" anchor="ctr"/>
+          <a:lstStyle/>
+          <a:p>
+            <a:pPr algn="ctr"/>
+            <a:r>
+              <a:rPr lang="en-US" altLang="ja-JP" b="1" dirty="0" smtClean="0">
+                <a:effectLst>
+                  <a:outerShdw blurRad="50800" dist="38100" dir="2700000" algn="tl" rotWithShape="0">
+                    <a:srgbClr val="000000">
+                      <a:alpha val="43000"/>
+                    </a:srgbClr>
+                  </a:outerShdw>
+                </a:effectLst>
+              </a:rPr>
+              <a:t>Y</a:t>
+            </a:r>
+            <a:endParaRPr kumimoji="1" lang="ja-JP" altLang="en-US" b="1" dirty="0">
+              <a:effectLst>
+                <a:outerShdw blurRad="50800" dist="38100" dir="2700000" algn="tl" rotWithShape="0">
+                  <a:srgbClr val="000000">
+                    <a:alpha val="43000"/>
+                  </a:srgbClr>
+                </a:outerShdw>
+              </a:effectLst>
+            </a:endParaRPr>
+          </a:p>
+        </p:txBody>
+      </p:sp>
+      <p:sp>
+        <p:nvSpPr>
+          <p:cNvPr id="65" name="正方形/長方形 64"/>
+          <p:cNvSpPr/>
+          <p:nvPr/>
+        </p:nvSpPr>
+        <p:spPr>
+          <a:xfrm>
+            <a:off x="6161735" y="3287752"/>
+            <a:ext cx="1516727" cy="592981"/>
+          </a:xfrm>
+          <a:prstGeom prst="rect">
+            <a:avLst/>
+          </a:prstGeom>
+          <a:solidFill>
+            <a:schemeClr val="tx1"/>
+          </a:solidFill>
+        </p:spPr>
+        <p:style>
+          <a:lnRef idx="1">
+            <a:schemeClr val="accent1"/>
+          </a:lnRef>
+          <a:fillRef idx="3">
+            <a:schemeClr val="accent1"/>
+          </a:fillRef>
+          <a:effectRef idx="2">
+            <a:schemeClr val="accent1"/>
+          </a:effectRef>
+          <a:fontRef idx="minor">
+            <a:schemeClr val="lt1"/>
+          </a:fontRef>
+        </p:style>
+        <p:txBody>
+          <a:bodyPr rtlCol="0" anchor="ctr"/>
+          <a:lstStyle/>
+          <a:p>
+            <a:pPr algn="ctr"/>
+            <a:endParaRPr kumimoji="1" lang="ja-JP" altLang="en-US"/>
+          </a:p>
+        </p:txBody>
+      </p:sp>
+      <p:sp>
+        <p:nvSpPr>
+          <p:cNvPr id="66" name="正方形/長方形 65"/>
+          <p:cNvSpPr/>
+          <p:nvPr/>
+        </p:nvSpPr>
+        <p:spPr>
+          <a:xfrm>
+            <a:off x="6265261" y="3425088"/>
+            <a:ext cx="375110" cy="342163"/>
+          </a:xfrm>
+          <a:prstGeom prst="rect">
+            <a:avLst/>
+          </a:prstGeom>
+          <a:solidFill>
+            <a:schemeClr val="bg1">
+              <a:lumMod val="75000"/>
+            </a:schemeClr>
+          </a:solidFill>
+        </p:spPr>
+        <p:style>
+          <a:lnRef idx="1">
+            <a:schemeClr val="accent1"/>
+          </a:lnRef>
+          <a:fillRef idx="3">
+            <a:schemeClr val="accent1"/>
+          </a:fillRef>
+          <a:effectRef idx="2">
+            <a:schemeClr val="accent1"/>
+          </a:effectRef>
+          <a:fontRef idx="minor">
+            <a:schemeClr val="lt1"/>
+          </a:fontRef>
+        </p:style>
+        <p:txBody>
+          <a:bodyPr wrap="none" rtlCol="0" anchor="ctr"/>
+          <a:lstStyle/>
+          <a:p>
+            <a:pPr algn="ctr"/>
+            <a:r>
+              <a:rPr lang="en-US" altLang="ja-JP" b="1" dirty="0" smtClean="0">
+                <a:effectLst>
+                  <a:outerShdw blurRad="50800" dist="38100" dir="2700000" algn="tl" rotWithShape="0">
+                    <a:srgbClr val="000000">
+                      <a:alpha val="43000"/>
+                    </a:srgbClr>
+                  </a:outerShdw>
+                </a:effectLst>
+              </a:rPr>
+              <a:t>Y</a:t>
+            </a:r>
+            <a:endParaRPr kumimoji="1" lang="ja-JP" altLang="en-US" b="1" dirty="0">
+              <a:effectLst>
+                <a:outerShdw blurRad="50800" dist="38100" dir="2700000" algn="tl" rotWithShape="0">
+                  <a:srgbClr val="000000">
+                    <a:alpha val="43000"/>
+                  </a:srgbClr>
+                </a:outerShdw>
+              </a:effectLst>
+            </a:endParaRPr>
+          </a:p>
+        </p:txBody>
+      </p:sp>
+      <p:cxnSp>
+        <p:nvCxnSpPr>
+          <p:cNvPr id="70" name="直線矢印コネクタ 69"/>
+          <p:cNvCxnSpPr/>
+          <p:nvPr/>
+        </p:nvCxnSpPr>
+        <p:spPr>
+          <a:xfrm>
+            <a:off x="1207103" y="2028300"/>
+            <a:ext cx="6470731" cy="0"/>
+          </a:xfrm>
+          <a:prstGeom prst="straightConnector1">
+            <a:avLst/>
+          </a:prstGeom>
+          <a:ln>
+            <a:headEnd type="arrow"/>
+            <a:tailEnd type="arrow"/>
+          </a:ln>
+        </p:spPr>
+        <p:style>
+          <a:lnRef idx="2">
+            <a:schemeClr val="accent1"/>
+          </a:lnRef>
+          <a:fillRef idx="0">
+            <a:schemeClr val="accent1"/>
+          </a:fillRef>
+          <a:effectRef idx="1">
+            <a:schemeClr val="accent1"/>
+          </a:effectRef>
+          <a:fontRef idx="minor">
+            <a:schemeClr val="tx1"/>
+          </a:fontRef>
+        </p:style>
+      </p:cxnSp>
+      <p:sp>
+        <p:nvSpPr>
+          <p:cNvPr id="72" name="角丸四角形 71"/>
+          <p:cNvSpPr/>
+          <p:nvPr/>
+        </p:nvSpPr>
+        <p:spPr>
+          <a:xfrm>
+            <a:off x="1366060" y="1684532"/>
+            <a:ext cx="2476063" cy="319487"/>
+          </a:xfrm>
+          <a:prstGeom prst="roundRect">
+            <a:avLst/>
+          </a:prstGeom>
+          <a:noFill/>
+          <a:ln>
+            <a:noFill/>
+          </a:ln>
+        </p:spPr>
+        <p:style>
+          <a:lnRef idx="1">
+            <a:schemeClr val="accent1"/>
+          </a:lnRef>
+          <a:fillRef idx="3">
+            <a:schemeClr val="accent1"/>
+          </a:fillRef>
+          <a:effectRef idx="2">
+            <a:schemeClr val="accent1"/>
+          </a:effectRef>
+          <a:fontRef idx="minor">
+            <a:schemeClr val="lt1"/>
+          </a:fontRef>
+        </p:style>
+        <p:txBody>
+          <a:bodyPr rtlCol="0" anchor="ctr"/>
+          <a:lstStyle/>
+          <a:p>
+            <a:pPr algn="ctr"/>
+            <a:r>
+              <a:rPr lang="en-US" altLang="en-US" dirty="0">
+                <a:solidFill>
+                  <a:schemeClr val="tx1"/>
+                </a:solidFill>
+              </a:rPr>
+              <a:t>a</a:t>
+            </a:r>
+            <a:r>
+              <a:rPr lang="en-US" altLang="en-US" dirty="0" smtClean="0">
+                <a:solidFill>
+                  <a:schemeClr val="tx1"/>
+                </a:solidFill>
+              </a:rPr>
+              <a:t>: Y 成分が</a:t>
+            </a:r>
+            <a:r>
+              <a:rPr lang="ja-JP" altLang="en-US" dirty="0" smtClean="0">
+                <a:solidFill>
+                  <a:schemeClr val="tx1"/>
+                </a:solidFill>
+              </a:rPr>
+              <a:t>４サンプル</a:t>
+            </a:r>
+            <a:endParaRPr kumimoji="1" lang="ja-JP" altLang="en-US" dirty="0">
+              <a:solidFill>
+                <a:schemeClr val="tx1"/>
+              </a:solidFill>
+            </a:endParaRPr>
+          </a:p>
+        </p:txBody>
+      </p:sp>
+      <p:sp>
+        <p:nvSpPr>
+          <p:cNvPr id="73" name="角丸四角形 72"/>
+          <p:cNvSpPr/>
+          <p:nvPr/>
+        </p:nvSpPr>
+        <p:spPr>
+          <a:xfrm>
+            <a:off x="4281447" y="1684532"/>
+            <a:ext cx="3151015" cy="319487"/>
+          </a:xfrm>
+          <a:prstGeom prst="roundRect">
+            <a:avLst/>
+          </a:prstGeom>
+          <a:noFill/>
+          <a:ln>
+            <a:noFill/>
+          </a:ln>
+        </p:spPr>
+        <p:style>
+          <a:lnRef idx="1">
+            <a:schemeClr val="accent1"/>
+          </a:lnRef>
+          <a:fillRef idx="3">
+            <a:schemeClr val="accent1"/>
+          </a:fillRef>
+          <a:effectRef idx="2">
+            <a:schemeClr val="accent1"/>
+          </a:effectRef>
+          <a:fontRef idx="minor">
+            <a:schemeClr val="lt1"/>
+          </a:fontRef>
+        </p:style>
+        <p:txBody>
+          <a:bodyPr rtlCol="0" anchor="ctr"/>
+          <a:lstStyle/>
+          <a:p>
+            <a:pPr algn="ctr"/>
+            <a:r>
+              <a:rPr lang="en-US" altLang="en-US" dirty="0" smtClean="0">
+                <a:solidFill>
+                  <a:schemeClr val="tx1"/>
+                </a:solidFill>
+              </a:rPr>
+              <a:t>b: </a:t>
+            </a:r>
+            <a:r>
+              <a:rPr lang="en-US" altLang="en-US" dirty="0" err="1" smtClean="0">
+                <a:solidFill>
+                  <a:schemeClr val="tx1"/>
+                </a:solidFill>
+              </a:rPr>
+              <a:t>Cb,Cr</a:t>
+            </a:r>
+            <a:r>
+              <a:rPr lang="en-US" altLang="en-US" dirty="0" smtClean="0">
+                <a:solidFill>
+                  <a:schemeClr val="tx1"/>
+                </a:solidFill>
+              </a:rPr>
+              <a:t> 成分</a:t>
+            </a:r>
+            <a:r>
+              <a:rPr lang="ja-JP" altLang="en-US" dirty="0" smtClean="0">
+                <a:solidFill>
+                  <a:schemeClr val="tx1"/>
+                </a:solidFill>
+              </a:rPr>
+              <a:t>は各１サンプル</a:t>
+            </a:r>
+            <a:endParaRPr kumimoji="1" lang="ja-JP" altLang="en-US" dirty="0">
+              <a:solidFill>
+                <a:schemeClr val="tx1"/>
+              </a:solidFill>
+            </a:endParaRPr>
+          </a:p>
+        </p:txBody>
+      </p:sp>
+      <p:sp>
+        <p:nvSpPr>
+          <p:cNvPr id="28" name="正方形/長方形 27"/>
+          <p:cNvSpPr/>
+          <p:nvPr/>
+        </p:nvSpPr>
+        <p:spPr>
+          <a:xfrm>
+            <a:off x="1207103" y="4178155"/>
+            <a:ext cx="1516727" cy="592981"/>
+          </a:xfrm>
+          <a:prstGeom prst="rect">
+            <a:avLst/>
+          </a:prstGeom>
+          <a:solidFill>
+            <a:schemeClr val="tx1"/>
+          </a:solidFill>
+        </p:spPr>
+        <p:style>
+          <a:lnRef idx="1">
+            <a:schemeClr val="accent1"/>
+          </a:lnRef>
+          <a:fillRef idx="3">
+            <a:schemeClr val="accent1"/>
+          </a:fillRef>
+          <a:effectRef idx="2">
+            <a:schemeClr val="accent1"/>
+          </a:effectRef>
+          <a:fontRef idx="minor">
+            <a:schemeClr val="lt1"/>
+          </a:fontRef>
+        </p:style>
+        <p:txBody>
+          <a:bodyPr rtlCol="0" anchor="ctr"/>
+          <a:lstStyle/>
+          <a:p>
+            <a:pPr algn="ctr"/>
+            <a:endParaRPr kumimoji="1" lang="ja-JP" altLang="en-US"/>
+          </a:p>
+        </p:txBody>
+      </p:sp>
+      <p:sp>
+        <p:nvSpPr>
+          <p:cNvPr id="29" name="正方形/長方形 28"/>
+          <p:cNvSpPr/>
+          <p:nvPr/>
+        </p:nvSpPr>
+        <p:spPr>
+          <a:xfrm>
+            <a:off x="1310629" y="4332653"/>
+            <a:ext cx="375110" cy="342163"/>
+          </a:xfrm>
+          <a:prstGeom prst="rect">
+            <a:avLst/>
+          </a:prstGeom>
+          <a:solidFill>
+            <a:schemeClr val="bg1">
+              <a:lumMod val="75000"/>
+            </a:schemeClr>
+          </a:solidFill>
+        </p:spPr>
+        <p:style>
+          <a:lnRef idx="1">
+            <a:schemeClr val="accent1"/>
+          </a:lnRef>
+          <a:fillRef idx="3">
+            <a:schemeClr val="accent1"/>
+          </a:fillRef>
+          <a:effectRef idx="2">
+            <a:schemeClr val="accent1"/>
+          </a:effectRef>
+          <a:fontRef idx="minor">
+            <a:schemeClr val="lt1"/>
+          </a:fontRef>
+        </p:style>
+        <p:txBody>
+          <a:bodyPr wrap="none" rtlCol="0" anchor="ctr"/>
+          <a:lstStyle/>
+          <a:p>
+            <a:pPr algn="ctr"/>
+            <a:r>
+              <a:rPr lang="en-US" altLang="ja-JP" b="1" dirty="0" smtClean="0">
+                <a:effectLst>
+                  <a:outerShdw blurRad="50800" dist="38100" dir="2700000" algn="tl" rotWithShape="0">
+                    <a:srgbClr val="000000">
+                      <a:alpha val="43000"/>
+                    </a:srgbClr>
+                  </a:outerShdw>
+                </a:effectLst>
+              </a:rPr>
+              <a:t>Y</a:t>
+            </a:r>
+            <a:endParaRPr kumimoji="1" lang="ja-JP" altLang="en-US" b="1" dirty="0">
+              <a:effectLst>
+                <a:outerShdw blurRad="50800" dist="38100" dir="2700000" algn="tl" rotWithShape="0">
+                  <a:srgbClr val="000000">
+                    <a:alpha val="43000"/>
+                  </a:srgbClr>
+                </a:outerShdw>
+              </a:effectLst>
+            </a:endParaRPr>
+          </a:p>
+        </p:txBody>
+      </p:sp>
+      <p:sp>
+        <p:nvSpPr>
+          <p:cNvPr id="30" name="正方形/長方形 29"/>
+          <p:cNvSpPr/>
+          <p:nvPr/>
+        </p:nvSpPr>
+        <p:spPr>
+          <a:xfrm>
+            <a:off x="2869515" y="4180084"/>
+            <a:ext cx="1516727" cy="592981"/>
+          </a:xfrm>
+          <a:prstGeom prst="rect">
+            <a:avLst/>
+          </a:prstGeom>
+          <a:solidFill>
+            <a:schemeClr val="tx1"/>
+          </a:solidFill>
+        </p:spPr>
+        <p:style>
+          <a:lnRef idx="1">
+            <a:schemeClr val="accent1"/>
+          </a:lnRef>
+          <a:fillRef idx="3">
+            <a:schemeClr val="accent1"/>
+          </a:fillRef>
+          <a:effectRef idx="2">
+            <a:schemeClr val="accent1"/>
+          </a:effectRef>
+          <a:fontRef idx="minor">
+            <a:schemeClr val="lt1"/>
+          </a:fontRef>
+        </p:style>
+        <p:txBody>
+          <a:bodyPr rtlCol="0" anchor="ctr"/>
+          <a:lstStyle/>
+          <a:p>
+            <a:pPr algn="ctr"/>
+            <a:endParaRPr kumimoji="1" lang="ja-JP" altLang="en-US"/>
+          </a:p>
+        </p:txBody>
+      </p:sp>
+      <p:sp>
+        <p:nvSpPr>
+          <p:cNvPr id="31" name="正方形/長方形 30"/>
+          <p:cNvSpPr/>
+          <p:nvPr/>
+        </p:nvSpPr>
+        <p:spPr>
+          <a:xfrm>
+            <a:off x="2973041" y="4334582"/>
+            <a:ext cx="375110" cy="342163"/>
+          </a:xfrm>
+          <a:prstGeom prst="rect">
+            <a:avLst/>
+          </a:prstGeom>
+          <a:solidFill>
+            <a:schemeClr val="bg1">
+              <a:lumMod val="75000"/>
+            </a:schemeClr>
+          </a:solidFill>
+        </p:spPr>
+        <p:style>
+          <a:lnRef idx="1">
+            <a:schemeClr val="accent1"/>
+          </a:lnRef>
+          <a:fillRef idx="3">
+            <a:schemeClr val="accent1"/>
+          </a:fillRef>
+          <a:effectRef idx="2">
+            <a:schemeClr val="accent1"/>
+          </a:effectRef>
+          <a:fontRef idx="minor">
+            <a:schemeClr val="lt1"/>
+          </a:fontRef>
+        </p:style>
+        <p:txBody>
+          <a:bodyPr wrap="none" rtlCol="0" anchor="ctr"/>
+          <a:lstStyle/>
+          <a:p>
+            <a:pPr algn="ctr"/>
+            <a:r>
+              <a:rPr lang="en-US" altLang="ja-JP" b="1" dirty="0" smtClean="0">
+                <a:effectLst>
+                  <a:outerShdw blurRad="50800" dist="38100" dir="2700000" algn="tl" rotWithShape="0">
+                    <a:srgbClr val="000000">
+                      <a:alpha val="43000"/>
+                    </a:srgbClr>
+                  </a:outerShdw>
+                </a:effectLst>
+              </a:rPr>
+              <a:t>Y</a:t>
+            </a:r>
+            <a:endParaRPr kumimoji="1" lang="ja-JP" altLang="en-US" b="1" dirty="0">
+              <a:effectLst>
+                <a:outerShdw blurRad="50800" dist="38100" dir="2700000" algn="tl" rotWithShape="0">
+                  <a:srgbClr val="000000">
+                    <a:alpha val="43000"/>
+                  </a:srgbClr>
+                </a:outerShdw>
+              </a:effectLst>
+            </a:endParaRPr>
+          </a:p>
+        </p:txBody>
+      </p:sp>
+      <p:sp>
+        <p:nvSpPr>
+          <p:cNvPr id="32" name="正方形/長方形 31"/>
+          <p:cNvSpPr/>
+          <p:nvPr/>
+        </p:nvSpPr>
+        <p:spPr>
+          <a:xfrm>
+            <a:off x="4522659" y="4178155"/>
+            <a:ext cx="1516727" cy="592981"/>
+          </a:xfrm>
+          <a:prstGeom prst="rect">
+            <a:avLst/>
+          </a:prstGeom>
+          <a:solidFill>
+            <a:schemeClr val="tx1"/>
+          </a:solidFill>
+        </p:spPr>
+        <p:style>
+          <a:lnRef idx="1">
+            <a:schemeClr val="accent1"/>
+          </a:lnRef>
+          <a:fillRef idx="3">
+            <a:schemeClr val="accent1"/>
+          </a:fillRef>
+          <a:effectRef idx="2">
+            <a:schemeClr val="accent1"/>
+          </a:effectRef>
+          <a:fontRef idx="minor">
+            <a:schemeClr val="lt1"/>
+          </a:fontRef>
+        </p:style>
+        <p:txBody>
+          <a:bodyPr rtlCol="0" anchor="ctr"/>
+          <a:lstStyle/>
+          <a:p>
+            <a:pPr algn="ctr"/>
+            <a:endParaRPr kumimoji="1" lang="ja-JP" altLang="en-US"/>
+          </a:p>
+        </p:txBody>
+      </p:sp>
+      <p:sp>
+        <p:nvSpPr>
+          <p:cNvPr id="33" name="正方形/長方形 32"/>
+          <p:cNvSpPr/>
+          <p:nvPr/>
+        </p:nvSpPr>
+        <p:spPr>
+          <a:xfrm>
+            <a:off x="4626185" y="4332653"/>
+            <a:ext cx="375110" cy="342163"/>
+          </a:xfrm>
+          <a:prstGeom prst="rect">
+            <a:avLst/>
+          </a:prstGeom>
+          <a:solidFill>
+            <a:schemeClr val="bg1">
+              <a:lumMod val="75000"/>
+            </a:schemeClr>
+          </a:solidFill>
+        </p:spPr>
+        <p:style>
+          <a:lnRef idx="1">
+            <a:schemeClr val="accent1"/>
+          </a:lnRef>
+          <a:fillRef idx="3">
+            <a:schemeClr val="accent1"/>
+          </a:fillRef>
+          <a:effectRef idx="2">
+            <a:schemeClr val="accent1"/>
+          </a:effectRef>
+          <a:fontRef idx="minor">
+            <a:schemeClr val="lt1"/>
+          </a:fontRef>
+        </p:style>
+        <p:txBody>
+          <a:bodyPr wrap="none" rtlCol="0" anchor="ctr"/>
+          <a:lstStyle/>
+          <a:p>
+            <a:pPr algn="ctr"/>
+            <a:r>
+              <a:rPr lang="en-US" altLang="ja-JP" b="1" dirty="0" smtClean="0">
+                <a:effectLst>
+                  <a:outerShdw blurRad="50800" dist="38100" dir="2700000" algn="tl" rotWithShape="0">
+                    <a:srgbClr val="000000">
+                      <a:alpha val="43000"/>
+                    </a:srgbClr>
+                  </a:outerShdw>
+                </a:effectLst>
+              </a:rPr>
+              <a:t>Y</a:t>
+            </a:r>
+            <a:endParaRPr kumimoji="1" lang="ja-JP" altLang="en-US" b="1" dirty="0">
+              <a:effectLst>
+                <a:outerShdw blurRad="50800" dist="38100" dir="2700000" algn="tl" rotWithShape="0">
+                  <a:srgbClr val="000000">
+                    <a:alpha val="43000"/>
+                  </a:srgbClr>
+                </a:outerShdw>
+              </a:effectLst>
+            </a:endParaRPr>
+          </a:p>
+        </p:txBody>
+      </p:sp>
+      <p:sp>
+        <p:nvSpPr>
+          <p:cNvPr id="34" name="正方形/長方形 33"/>
+          <p:cNvSpPr/>
+          <p:nvPr/>
+        </p:nvSpPr>
+        <p:spPr>
+          <a:xfrm>
+            <a:off x="6161107" y="4197246"/>
+            <a:ext cx="1516727" cy="592981"/>
+          </a:xfrm>
+          <a:prstGeom prst="rect">
+            <a:avLst/>
+          </a:prstGeom>
+          <a:solidFill>
+            <a:schemeClr val="tx1"/>
+          </a:solidFill>
+        </p:spPr>
+        <p:style>
+          <a:lnRef idx="1">
+            <a:schemeClr val="accent1"/>
+          </a:lnRef>
+          <a:fillRef idx="3">
+            <a:schemeClr val="accent1"/>
+          </a:fillRef>
+          <a:effectRef idx="2">
+            <a:schemeClr val="accent1"/>
+          </a:effectRef>
+          <a:fontRef idx="minor">
+            <a:schemeClr val="lt1"/>
+          </a:fontRef>
+        </p:style>
+        <p:txBody>
+          <a:bodyPr rtlCol="0" anchor="ctr"/>
+          <a:lstStyle/>
+          <a:p>
+            <a:pPr algn="ctr"/>
+            <a:endParaRPr kumimoji="1" lang="ja-JP" altLang="en-US"/>
+          </a:p>
+        </p:txBody>
+      </p:sp>
+      <p:sp>
+        <p:nvSpPr>
+          <p:cNvPr id="35" name="正方形/長方形 34"/>
+          <p:cNvSpPr/>
+          <p:nvPr/>
+        </p:nvSpPr>
+        <p:spPr>
+          <a:xfrm>
+            <a:off x="6264633" y="4334582"/>
+            <a:ext cx="375110" cy="342163"/>
+          </a:xfrm>
+          <a:prstGeom prst="rect">
+            <a:avLst/>
+          </a:prstGeom>
+          <a:solidFill>
+            <a:schemeClr val="bg1">
+              <a:lumMod val="75000"/>
+            </a:schemeClr>
+          </a:solidFill>
+        </p:spPr>
+        <p:style>
+          <a:lnRef idx="1">
+            <a:schemeClr val="accent1"/>
+          </a:lnRef>
+          <a:fillRef idx="3">
+            <a:schemeClr val="accent1"/>
+          </a:fillRef>
+          <a:effectRef idx="2">
+            <a:schemeClr val="accent1"/>
+          </a:effectRef>
+          <a:fontRef idx="minor">
+            <a:schemeClr val="lt1"/>
+          </a:fontRef>
+        </p:style>
+        <p:txBody>
+          <a:bodyPr wrap="none" rtlCol="0" anchor="ctr"/>
+          <a:lstStyle/>
+          <a:p>
+            <a:pPr algn="ctr"/>
+            <a:r>
+              <a:rPr lang="en-US" altLang="ja-JP" b="1" dirty="0" smtClean="0">
+                <a:effectLst>
+                  <a:outerShdw blurRad="50800" dist="38100" dir="2700000" algn="tl" rotWithShape="0">
+                    <a:srgbClr val="000000">
+                      <a:alpha val="43000"/>
+                    </a:srgbClr>
+                  </a:outerShdw>
+                </a:effectLst>
+              </a:rPr>
+              <a:t>Y</a:t>
+            </a:r>
+            <a:endParaRPr kumimoji="1" lang="ja-JP" altLang="en-US" b="1" dirty="0">
+              <a:effectLst>
+                <a:outerShdw blurRad="50800" dist="38100" dir="2700000" algn="tl" rotWithShape="0">
+                  <a:srgbClr val="000000">
+                    <a:alpha val="43000"/>
+                  </a:srgbClr>
+                </a:outerShdw>
+              </a:effectLst>
+            </a:endParaRPr>
+          </a:p>
+        </p:txBody>
+      </p:sp>
+      <p:sp>
+        <p:nvSpPr>
+          <p:cNvPr id="36" name="正方形/長方形 35"/>
+          <p:cNvSpPr/>
+          <p:nvPr/>
+        </p:nvSpPr>
+        <p:spPr>
+          <a:xfrm>
+            <a:off x="1207103" y="5068524"/>
+            <a:ext cx="1516727" cy="592981"/>
+          </a:xfrm>
+          <a:prstGeom prst="rect">
+            <a:avLst/>
+          </a:prstGeom>
+          <a:solidFill>
+            <a:schemeClr val="tx1"/>
+          </a:solidFill>
+        </p:spPr>
+        <p:style>
+          <a:lnRef idx="1">
+            <a:schemeClr val="accent1"/>
+          </a:lnRef>
+          <a:fillRef idx="3">
+            <a:schemeClr val="accent1"/>
+          </a:fillRef>
+          <a:effectRef idx="2">
+            <a:schemeClr val="accent1"/>
+          </a:effectRef>
+          <a:fontRef idx="minor">
+            <a:schemeClr val="lt1"/>
+          </a:fontRef>
+        </p:style>
+        <p:txBody>
+          <a:bodyPr rtlCol="0" anchor="ctr"/>
+          <a:lstStyle/>
+          <a:p>
+            <a:pPr algn="ctr"/>
+            <a:endParaRPr kumimoji="1" lang="ja-JP" altLang="en-US"/>
+          </a:p>
+        </p:txBody>
+      </p:sp>
+      <p:sp>
+        <p:nvSpPr>
+          <p:cNvPr id="37" name="正方形/長方形 36"/>
+          <p:cNvSpPr/>
+          <p:nvPr/>
+        </p:nvSpPr>
+        <p:spPr>
+          <a:xfrm>
+            <a:off x="1310629" y="5223022"/>
+            <a:ext cx="375110" cy="342163"/>
+          </a:xfrm>
+          <a:prstGeom prst="rect">
+            <a:avLst/>
+          </a:prstGeom>
+          <a:solidFill>
+            <a:schemeClr val="bg1">
+              <a:lumMod val="75000"/>
+            </a:schemeClr>
+          </a:solidFill>
+        </p:spPr>
+        <p:style>
+          <a:lnRef idx="1">
+            <a:schemeClr val="accent1"/>
+          </a:lnRef>
+          <a:fillRef idx="3">
+            <a:schemeClr val="accent1"/>
+          </a:fillRef>
+          <a:effectRef idx="2">
+            <a:schemeClr val="accent1"/>
+          </a:effectRef>
+          <a:fontRef idx="minor">
+            <a:schemeClr val="lt1"/>
+          </a:fontRef>
+        </p:style>
+        <p:txBody>
+          <a:bodyPr wrap="none" rtlCol="0" anchor="ctr"/>
+          <a:lstStyle/>
+          <a:p>
+            <a:pPr algn="ctr"/>
+            <a:r>
+              <a:rPr lang="en-US" altLang="ja-JP" b="1" dirty="0" smtClean="0">
+                <a:effectLst>
+                  <a:outerShdw blurRad="50800" dist="38100" dir="2700000" algn="tl" rotWithShape="0">
+                    <a:srgbClr val="000000">
+                      <a:alpha val="43000"/>
+                    </a:srgbClr>
+                  </a:outerShdw>
+                </a:effectLst>
+              </a:rPr>
+              <a:t>Y</a:t>
+            </a:r>
+            <a:endParaRPr kumimoji="1" lang="ja-JP" altLang="en-US" b="1" dirty="0">
+              <a:effectLst>
+                <a:outerShdw blurRad="50800" dist="38100" dir="2700000" algn="tl" rotWithShape="0">
+                  <a:srgbClr val="000000">
+                    <a:alpha val="43000"/>
+                  </a:srgbClr>
+                </a:outerShdw>
+              </a:effectLst>
+            </a:endParaRPr>
+          </a:p>
+        </p:txBody>
+      </p:sp>
+      <p:sp>
+        <p:nvSpPr>
+          <p:cNvPr id="38" name="正方形/長方形 37"/>
+          <p:cNvSpPr/>
+          <p:nvPr/>
+        </p:nvSpPr>
+        <p:spPr>
+          <a:xfrm>
+            <a:off x="2869515" y="5070453"/>
+            <a:ext cx="1516727" cy="592981"/>
+          </a:xfrm>
+          <a:prstGeom prst="rect">
+            <a:avLst/>
+          </a:prstGeom>
+          <a:solidFill>
+            <a:schemeClr val="tx1"/>
+          </a:solidFill>
+        </p:spPr>
+        <p:style>
+          <a:lnRef idx="1">
+            <a:schemeClr val="accent1"/>
+          </a:lnRef>
+          <a:fillRef idx="3">
+            <a:schemeClr val="accent1"/>
+          </a:fillRef>
+          <a:effectRef idx="2">
+            <a:schemeClr val="accent1"/>
+          </a:effectRef>
+          <a:fontRef idx="minor">
+            <a:schemeClr val="lt1"/>
+          </a:fontRef>
+        </p:style>
+        <p:txBody>
+          <a:bodyPr rtlCol="0" anchor="ctr"/>
+          <a:lstStyle/>
+          <a:p>
+            <a:pPr algn="ctr"/>
+            <a:endParaRPr kumimoji="1" lang="ja-JP" altLang="en-US"/>
+          </a:p>
+        </p:txBody>
+      </p:sp>
+      <p:sp>
+        <p:nvSpPr>
+          <p:cNvPr id="39" name="正方形/長方形 38"/>
+          <p:cNvSpPr/>
+          <p:nvPr/>
+        </p:nvSpPr>
+        <p:spPr>
+          <a:xfrm>
+            <a:off x="2973041" y="5224951"/>
+            <a:ext cx="375110" cy="342163"/>
+          </a:xfrm>
+          <a:prstGeom prst="rect">
+            <a:avLst/>
+          </a:prstGeom>
+          <a:solidFill>
+            <a:schemeClr val="bg1">
+              <a:lumMod val="75000"/>
+            </a:schemeClr>
+          </a:solidFill>
+        </p:spPr>
+        <p:style>
+          <a:lnRef idx="1">
+            <a:schemeClr val="accent1"/>
+          </a:lnRef>
+          <a:fillRef idx="3">
+            <a:schemeClr val="accent1"/>
+          </a:fillRef>
+          <a:effectRef idx="2">
+            <a:schemeClr val="accent1"/>
+          </a:effectRef>
+          <a:fontRef idx="minor">
+            <a:schemeClr val="lt1"/>
+          </a:fontRef>
+        </p:style>
+        <p:txBody>
+          <a:bodyPr wrap="none" rtlCol="0" anchor="ctr"/>
+          <a:lstStyle/>
+          <a:p>
+            <a:pPr algn="ctr"/>
+            <a:r>
+              <a:rPr lang="en-US" altLang="ja-JP" b="1" dirty="0" smtClean="0">
+                <a:effectLst>
+                  <a:outerShdw blurRad="50800" dist="38100" dir="2700000" algn="tl" rotWithShape="0">
+                    <a:srgbClr val="000000">
+                      <a:alpha val="43000"/>
+                    </a:srgbClr>
+                  </a:outerShdw>
+                </a:effectLst>
+              </a:rPr>
+              <a:t>Y</a:t>
+            </a:r>
+            <a:endParaRPr kumimoji="1" lang="ja-JP" altLang="en-US" b="1" dirty="0">
+              <a:effectLst>
+                <a:outerShdw blurRad="50800" dist="38100" dir="2700000" algn="tl" rotWithShape="0">
+                  <a:srgbClr val="000000">
+                    <a:alpha val="43000"/>
+                  </a:srgbClr>
+                </a:outerShdw>
+              </a:effectLst>
+            </a:endParaRPr>
+          </a:p>
+        </p:txBody>
+      </p:sp>
+      <p:sp>
+        <p:nvSpPr>
+          <p:cNvPr id="40" name="正方形/長方形 39"/>
+          <p:cNvSpPr/>
+          <p:nvPr/>
+        </p:nvSpPr>
+        <p:spPr>
+          <a:xfrm>
+            <a:off x="4522659" y="5068524"/>
+            <a:ext cx="1516727" cy="592981"/>
+          </a:xfrm>
+          <a:prstGeom prst="rect">
+            <a:avLst/>
+          </a:prstGeom>
+          <a:solidFill>
+            <a:schemeClr val="tx1"/>
+          </a:solidFill>
+        </p:spPr>
+        <p:style>
+          <a:lnRef idx="1">
+            <a:schemeClr val="accent1"/>
+          </a:lnRef>
+          <a:fillRef idx="3">
+            <a:schemeClr val="accent1"/>
+          </a:fillRef>
+          <a:effectRef idx="2">
+            <a:schemeClr val="accent1"/>
+          </a:effectRef>
+          <a:fontRef idx="minor">
+            <a:schemeClr val="lt1"/>
+          </a:fontRef>
+        </p:style>
+        <p:txBody>
+          <a:bodyPr rtlCol="0" anchor="ctr"/>
+          <a:lstStyle/>
+          <a:p>
+            <a:pPr algn="ctr"/>
+            <a:endParaRPr kumimoji="1" lang="ja-JP" altLang="en-US"/>
+          </a:p>
+        </p:txBody>
+      </p:sp>
+      <p:sp>
+        <p:nvSpPr>
+          <p:cNvPr id="43" name="正方形/長方形 42"/>
+          <p:cNvSpPr/>
+          <p:nvPr/>
+        </p:nvSpPr>
+        <p:spPr>
+          <a:xfrm>
+            <a:off x="4626185" y="5223022"/>
+            <a:ext cx="375110" cy="342163"/>
+          </a:xfrm>
+          <a:prstGeom prst="rect">
+            <a:avLst/>
+          </a:prstGeom>
+          <a:solidFill>
+            <a:schemeClr val="bg1">
+              <a:lumMod val="75000"/>
+            </a:schemeClr>
+          </a:solidFill>
+        </p:spPr>
+        <p:style>
+          <a:lnRef idx="1">
+            <a:schemeClr val="accent1"/>
+          </a:lnRef>
+          <a:fillRef idx="3">
+            <a:schemeClr val="accent1"/>
+          </a:fillRef>
+          <a:effectRef idx="2">
+            <a:schemeClr val="accent1"/>
+          </a:effectRef>
+          <a:fontRef idx="minor">
+            <a:schemeClr val="lt1"/>
+          </a:fontRef>
+        </p:style>
+        <p:txBody>
+          <a:bodyPr wrap="none" rtlCol="0" anchor="ctr"/>
+          <a:lstStyle/>
+          <a:p>
+            <a:pPr algn="ctr"/>
+            <a:r>
+              <a:rPr lang="en-US" altLang="ja-JP" b="1" dirty="0" smtClean="0">
+                <a:effectLst>
+                  <a:outerShdw blurRad="50800" dist="38100" dir="2700000" algn="tl" rotWithShape="0">
+                    <a:srgbClr val="000000">
+                      <a:alpha val="43000"/>
+                    </a:srgbClr>
+                  </a:outerShdw>
+                </a:effectLst>
+              </a:rPr>
+              <a:t>Y</a:t>
+            </a:r>
+            <a:endParaRPr kumimoji="1" lang="ja-JP" altLang="en-US" b="1" dirty="0">
+              <a:effectLst>
+                <a:outerShdw blurRad="50800" dist="38100" dir="2700000" algn="tl" rotWithShape="0">
+                  <a:srgbClr val="000000">
+                    <a:alpha val="43000"/>
+                  </a:srgbClr>
+                </a:outerShdw>
+              </a:effectLst>
+            </a:endParaRPr>
+          </a:p>
+        </p:txBody>
+      </p:sp>
+      <p:sp>
+        <p:nvSpPr>
+          <p:cNvPr id="44" name="正方形/長方形 43"/>
+          <p:cNvSpPr/>
+          <p:nvPr/>
+        </p:nvSpPr>
+        <p:spPr>
+          <a:xfrm>
+            <a:off x="6161107" y="5087615"/>
+            <a:ext cx="1516727" cy="592981"/>
+          </a:xfrm>
+          <a:prstGeom prst="rect">
+            <a:avLst/>
+          </a:prstGeom>
+          <a:solidFill>
+            <a:schemeClr val="tx1"/>
+          </a:solidFill>
+        </p:spPr>
+        <p:style>
+          <a:lnRef idx="1">
+            <a:schemeClr val="accent1"/>
+          </a:lnRef>
+          <a:fillRef idx="3">
+            <a:schemeClr val="accent1"/>
+          </a:fillRef>
+          <a:effectRef idx="2">
+            <a:schemeClr val="accent1"/>
+          </a:effectRef>
+          <a:fontRef idx="minor">
+            <a:schemeClr val="lt1"/>
+          </a:fontRef>
+        </p:style>
+        <p:txBody>
+          <a:bodyPr rtlCol="0" anchor="ctr"/>
+          <a:lstStyle/>
+          <a:p>
+            <a:pPr algn="ctr"/>
+            <a:endParaRPr kumimoji="1" lang="ja-JP" altLang="en-US"/>
+          </a:p>
+        </p:txBody>
+      </p:sp>
+      <p:sp>
+        <p:nvSpPr>
+          <p:cNvPr id="47" name="正方形/長方形 46"/>
+          <p:cNvSpPr/>
+          <p:nvPr/>
+        </p:nvSpPr>
+        <p:spPr>
+          <a:xfrm>
+            <a:off x="6264633" y="5224951"/>
+            <a:ext cx="375110" cy="342163"/>
+          </a:xfrm>
+          <a:prstGeom prst="rect">
+            <a:avLst/>
+          </a:prstGeom>
+          <a:solidFill>
+            <a:schemeClr val="bg1">
+              <a:lumMod val="75000"/>
+            </a:schemeClr>
+          </a:solidFill>
+        </p:spPr>
+        <p:style>
+          <a:lnRef idx="1">
+            <a:schemeClr val="accent1"/>
+          </a:lnRef>
+          <a:fillRef idx="3">
+            <a:schemeClr val="accent1"/>
+          </a:fillRef>
+          <a:effectRef idx="2">
+            <a:schemeClr val="accent1"/>
+          </a:effectRef>
+          <a:fontRef idx="minor">
+            <a:schemeClr val="lt1"/>
+          </a:fontRef>
+        </p:style>
+        <p:txBody>
+          <a:bodyPr wrap="none" rtlCol="0" anchor="ctr"/>
+          <a:lstStyle/>
+          <a:p>
+            <a:pPr algn="ctr"/>
+            <a:r>
+              <a:rPr lang="en-US" altLang="ja-JP" b="1" dirty="0" smtClean="0">
+                <a:effectLst>
+                  <a:outerShdw blurRad="50800" dist="38100" dir="2700000" algn="tl" rotWithShape="0">
+                    <a:srgbClr val="000000">
+                      <a:alpha val="43000"/>
+                    </a:srgbClr>
+                  </a:outerShdw>
+                </a:effectLst>
+              </a:rPr>
+              <a:t>Y</a:t>
+            </a:r>
+            <a:endParaRPr kumimoji="1" lang="ja-JP" altLang="en-US" b="1" dirty="0">
+              <a:effectLst>
+                <a:outerShdw blurRad="50800" dist="38100" dir="2700000" algn="tl" rotWithShape="0">
+                  <a:srgbClr val="000000">
+                    <a:alpha val="43000"/>
+                  </a:srgbClr>
+                </a:outerShdw>
+              </a:effectLst>
+            </a:endParaRPr>
+          </a:p>
+        </p:txBody>
+      </p:sp>
+    </p:spTree>
+    <p:extLst>
+      <p:ext uri="{BB962C8B-B14F-4D97-AF65-F5344CB8AC3E}">
+        <p14:creationId xmlns:p14="http://schemas.microsoft.com/office/powerpoint/2010/main" val="273584309"/>
+      </p:ext>
+    </p:extLst>
+  </p:cSld>
+  <p:clrMapOvr>
+    <a:masterClrMapping/>
+  </p:clrMapOvr>
+</p:sld>
+</file>
+
 <file path=ppt/slides/slide2.xml><?xml version="1.0" encoding="utf-8"?>
 <p:sld xmlns:a="http://schemas.openxmlformats.org/drawingml/2006/main" xmlns:r="http://schemas.openxmlformats.org/officeDocument/2006/relationships" xmlns:p="http://schemas.openxmlformats.org/presentationml/2006/main">
   <p:cSld>
@@ -10328,7 +12426,7 @@
         <p:spPr>
           <a:xfrm>
             <a:off x="5883082" y="3806169"/>
-            <a:ext cx="2230158" cy="969797"/>
+            <a:ext cx="2230158" cy="1822668"/>
           </a:xfrm>
           <a:prstGeom prst="rect">
             <a:avLst/>
@@ -11580,6 +13678,568 @@
               <a:t>早見表</a:t>
             </a:r>
             <a:endParaRPr kumimoji="1" lang="ja-JP" altLang="en-US" dirty="0"/>
+          </a:p>
+        </p:txBody>
+      </p:sp>
+      <p:sp>
+        <p:nvSpPr>
+          <p:cNvPr id="63" name="正方形/長方形 62"/>
+          <p:cNvSpPr/>
+          <p:nvPr/>
+        </p:nvSpPr>
+        <p:spPr>
+          <a:xfrm>
+            <a:off x="6560388" y="4728154"/>
+            <a:ext cx="375110" cy="342163"/>
+          </a:xfrm>
+          <a:prstGeom prst="rect">
+            <a:avLst/>
+          </a:prstGeom>
+          <a:solidFill>
+            <a:schemeClr val="bg1">
+              <a:lumMod val="75000"/>
+            </a:schemeClr>
+          </a:solidFill>
+        </p:spPr>
+        <p:style>
+          <a:lnRef idx="1">
+            <a:schemeClr val="accent1"/>
+          </a:lnRef>
+          <a:fillRef idx="3">
+            <a:schemeClr val="accent1"/>
+          </a:fillRef>
+          <a:effectRef idx="2">
+            <a:schemeClr val="accent1"/>
+          </a:effectRef>
+          <a:fontRef idx="minor">
+            <a:schemeClr val="lt1"/>
+          </a:fontRef>
+        </p:style>
+        <p:txBody>
+          <a:bodyPr wrap="none" rtlCol="0" anchor="ctr"/>
+          <a:lstStyle/>
+          <a:p>
+            <a:pPr algn="ctr"/>
+            <a:r>
+              <a:rPr lang="en-US" altLang="ja-JP" b="1" dirty="0" smtClean="0">
+                <a:effectLst>
+                  <a:outerShdw blurRad="50800" dist="38100" dir="2700000" algn="tl" rotWithShape="0">
+                    <a:srgbClr val="000000">
+                      <a:alpha val="43000"/>
+                    </a:srgbClr>
+                  </a:outerShdw>
+                </a:effectLst>
+              </a:rPr>
+              <a:t>Y</a:t>
+            </a:r>
+            <a:endParaRPr kumimoji="1" lang="ja-JP" altLang="en-US" b="1" dirty="0">
+              <a:effectLst>
+                <a:outerShdw blurRad="50800" dist="38100" dir="2700000" algn="tl" rotWithShape="0">
+                  <a:srgbClr val="000000">
+                    <a:alpha val="43000"/>
+                  </a:srgbClr>
+                </a:outerShdw>
+              </a:effectLst>
+            </a:endParaRPr>
+          </a:p>
+        </p:txBody>
+      </p:sp>
+      <p:sp>
+        <p:nvSpPr>
+          <p:cNvPr id="64" name="正方形/長方形 63"/>
+          <p:cNvSpPr/>
+          <p:nvPr/>
+        </p:nvSpPr>
+        <p:spPr>
+          <a:xfrm>
+            <a:off x="7033625" y="4728154"/>
+            <a:ext cx="375110" cy="342163"/>
+          </a:xfrm>
+          <a:prstGeom prst="rect">
+            <a:avLst/>
+          </a:prstGeom>
+          <a:solidFill>
+            <a:schemeClr val="bg1">
+              <a:lumMod val="75000"/>
+            </a:schemeClr>
+          </a:solidFill>
+        </p:spPr>
+        <p:style>
+          <a:lnRef idx="1">
+            <a:schemeClr val="accent1"/>
+          </a:lnRef>
+          <a:fillRef idx="3">
+            <a:schemeClr val="accent1"/>
+          </a:fillRef>
+          <a:effectRef idx="2">
+            <a:schemeClr val="accent1"/>
+          </a:effectRef>
+          <a:fontRef idx="minor">
+            <a:schemeClr val="lt1"/>
+          </a:fontRef>
+        </p:style>
+        <p:txBody>
+          <a:bodyPr wrap="none" rtlCol="0" anchor="ctr"/>
+          <a:lstStyle/>
+          <a:p>
+            <a:pPr algn="ctr"/>
+            <a:r>
+              <a:rPr lang="en-US" altLang="ja-JP" b="1" dirty="0" smtClean="0">
+                <a:effectLst>
+                  <a:outerShdw blurRad="50800" dist="38100" dir="2700000" algn="tl" rotWithShape="0">
+                    <a:srgbClr val="000000">
+                      <a:alpha val="43000"/>
+                    </a:srgbClr>
+                  </a:outerShdw>
+                </a:effectLst>
+              </a:rPr>
+              <a:t>Y</a:t>
+            </a:r>
+            <a:endParaRPr kumimoji="1" lang="ja-JP" altLang="en-US" b="1" dirty="0">
+              <a:effectLst>
+                <a:outerShdw blurRad="50800" dist="38100" dir="2700000" algn="tl" rotWithShape="0">
+                  <a:srgbClr val="000000">
+                    <a:alpha val="43000"/>
+                  </a:srgbClr>
+                </a:outerShdw>
+              </a:effectLst>
+            </a:endParaRPr>
+          </a:p>
+        </p:txBody>
+      </p:sp>
+      <p:sp>
+        <p:nvSpPr>
+          <p:cNvPr id="65" name="正方形/長方形 64"/>
+          <p:cNvSpPr/>
+          <p:nvPr/>
+        </p:nvSpPr>
+        <p:spPr>
+          <a:xfrm>
+            <a:off x="7489847" y="4728154"/>
+            <a:ext cx="375110" cy="342163"/>
+          </a:xfrm>
+          <a:prstGeom prst="rect">
+            <a:avLst/>
+          </a:prstGeom>
+          <a:solidFill>
+            <a:schemeClr val="bg1">
+              <a:lumMod val="75000"/>
+            </a:schemeClr>
+          </a:solidFill>
+        </p:spPr>
+        <p:style>
+          <a:lnRef idx="1">
+            <a:schemeClr val="accent1"/>
+          </a:lnRef>
+          <a:fillRef idx="3">
+            <a:schemeClr val="accent1"/>
+          </a:fillRef>
+          <a:effectRef idx="2">
+            <a:schemeClr val="accent1"/>
+          </a:effectRef>
+          <a:fontRef idx="minor">
+            <a:schemeClr val="lt1"/>
+          </a:fontRef>
+        </p:style>
+        <p:txBody>
+          <a:bodyPr wrap="none" rtlCol="0" anchor="ctr"/>
+          <a:lstStyle/>
+          <a:p>
+            <a:pPr algn="ctr"/>
+            <a:r>
+              <a:rPr lang="en-US" altLang="ja-JP" b="1" dirty="0" smtClean="0">
+                <a:effectLst>
+                  <a:outerShdw blurRad="50800" dist="38100" dir="2700000" algn="tl" rotWithShape="0">
+                    <a:srgbClr val="000000">
+                      <a:alpha val="43000"/>
+                    </a:srgbClr>
+                  </a:outerShdw>
+                </a:effectLst>
+              </a:rPr>
+              <a:t>Y</a:t>
+            </a:r>
+            <a:endParaRPr kumimoji="1" lang="ja-JP" altLang="en-US" b="1" dirty="0">
+              <a:effectLst>
+                <a:outerShdw blurRad="50800" dist="38100" dir="2700000" algn="tl" rotWithShape="0">
+                  <a:srgbClr val="000000">
+                    <a:alpha val="43000"/>
+                  </a:srgbClr>
+                </a:outerShdw>
+              </a:effectLst>
+            </a:endParaRPr>
+          </a:p>
+        </p:txBody>
+      </p:sp>
+      <p:sp>
+        <p:nvSpPr>
+          <p:cNvPr id="66" name="正方形/長方形 65"/>
+          <p:cNvSpPr/>
+          <p:nvPr/>
+        </p:nvSpPr>
+        <p:spPr>
+          <a:xfrm>
+            <a:off x="6084357" y="4733394"/>
+            <a:ext cx="375110" cy="342163"/>
+          </a:xfrm>
+          <a:prstGeom prst="rect">
+            <a:avLst/>
+          </a:prstGeom>
+          <a:solidFill>
+            <a:schemeClr val="bg1">
+              <a:lumMod val="75000"/>
+            </a:schemeClr>
+          </a:solidFill>
+        </p:spPr>
+        <p:style>
+          <a:lnRef idx="1">
+            <a:schemeClr val="accent1"/>
+          </a:lnRef>
+          <a:fillRef idx="3">
+            <a:schemeClr val="accent1"/>
+          </a:fillRef>
+          <a:effectRef idx="2">
+            <a:schemeClr val="accent1"/>
+          </a:effectRef>
+          <a:fontRef idx="minor">
+            <a:schemeClr val="lt1"/>
+          </a:fontRef>
+        </p:style>
+        <p:txBody>
+          <a:bodyPr wrap="none" rtlCol="0" anchor="ctr"/>
+          <a:lstStyle/>
+          <a:p>
+            <a:pPr algn="ctr"/>
+            <a:r>
+              <a:rPr lang="en-US" altLang="ja-JP" b="1" dirty="0" smtClean="0">
+                <a:effectLst>
+                  <a:outerShdw blurRad="50800" dist="38100" dir="2700000" algn="tl" rotWithShape="0">
+                    <a:srgbClr val="000000">
+                      <a:alpha val="43000"/>
+                    </a:srgbClr>
+                  </a:outerShdw>
+                </a:effectLst>
+              </a:rPr>
+              <a:t>Y</a:t>
+            </a:r>
+            <a:endParaRPr kumimoji="1" lang="ja-JP" altLang="en-US" b="1" dirty="0">
+              <a:effectLst>
+                <a:outerShdw blurRad="50800" dist="38100" dir="2700000" algn="tl" rotWithShape="0">
+                  <a:srgbClr val="000000">
+                    <a:alpha val="43000"/>
+                  </a:srgbClr>
+                </a:outerShdw>
+              </a:effectLst>
+            </a:endParaRPr>
+          </a:p>
+        </p:txBody>
+      </p:sp>
+      <p:sp>
+        <p:nvSpPr>
+          <p:cNvPr id="67" name="正方形/長方形 66"/>
+          <p:cNvSpPr/>
+          <p:nvPr/>
+        </p:nvSpPr>
+        <p:spPr>
+          <a:xfrm>
+            <a:off x="6565173" y="5132924"/>
+            <a:ext cx="375110" cy="342163"/>
+          </a:xfrm>
+          <a:prstGeom prst="rect">
+            <a:avLst/>
+          </a:prstGeom>
+          <a:solidFill>
+            <a:schemeClr val="bg1">
+              <a:lumMod val="75000"/>
+            </a:schemeClr>
+          </a:solidFill>
+        </p:spPr>
+        <p:style>
+          <a:lnRef idx="1">
+            <a:schemeClr val="accent1"/>
+          </a:lnRef>
+          <a:fillRef idx="3">
+            <a:schemeClr val="accent1"/>
+          </a:fillRef>
+          <a:effectRef idx="2">
+            <a:schemeClr val="accent1"/>
+          </a:effectRef>
+          <a:fontRef idx="minor">
+            <a:schemeClr val="lt1"/>
+          </a:fontRef>
+        </p:style>
+        <p:txBody>
+          <a:bodyPr wrap="none" rtlCol="0" anchor="ctr"/>
+          <a:lstStyle/>
+          <a:p>
+            <a:pPr algn="ctr"/>
+            <a:r>
+              <a:rPr lang="en-US" altLang="ja-JP" b="1" dirty="0" smtClean="0">
+                <a:effectLst>
+                  <a:outerShdw blurRad="50800" dist="38100" dir="2700000" algn="tl" rotWithShape="0">
+                    <a:srgbClr val="000000">
+                      <a:alpha val="43000"/>
+                    </a:srgbClr>
+                  </a:outerShdw>
+                </a:effectLst>
+              </a:rPr>
+              <a:t>Y</a:t>
+            </a:r>
+            <a:endParaRPr kumimoji="1" lang="ja-JP" altLang="en-US" b="1" dirty="0">
+              <a:effectLst>
+                <a:outerShdw blurRad="50800" dist="38100" dir="2700000" algn="tl" rotWithShape="0">
+                  <a:srgbClr val="000000">
+                    <a:alpha val="43000"/>
+                  </a:srgbClr>
+                </a:outerShdw>
+              </a:effectLst>
+            </a:endParaRPr>
+          </a:p>
+        </p:txBody>
+      </p:sp>
+      <p:sp>
+        <p:nvSpPr>
+          <p:cNvPr id="68" name="正方形/長方形 67"/>
+          <p:cNvSpPr/>
+          <p:nvPr/>
+        </p:nvSpPr>
+        <p:spPr>
+          <a:xfrm>
+            <a:off x="7038410" y="5132924"/>
+            <a:ext cx="375110" cy="342163"/>
+          </a:xfrm>
+          <a:prstGeom prst="rect">
+            <a:avLst/>
+          </a:prstGeom>
+          <a:solidFill>
+            <a:schemeClr val="bg1">
+              <a:lumMod val="75000"/>
+            </a:schemeClr>
+          </a:solidFill>
+        </p:spPr>
+        <p:style>
+          <a:lnRef idx="1">
+            <a:schemeClr val="accent1"/>
+          </a:lnRef>
+          <a:fillRef idx="3">
+            <a:schemeClr val="accent1"/>
+          </a:fillRef>
+          <a:effectRef idx="2">
+            <a:schemeClr val="accent1"/>
+          </a:effectRef>
+          <a:fontRef idx="minor">
+            <a:schemeClr val="lt1"/>
+          </a:fontRef>
+        </p:style>
+        <p:txBody>
+          <a:bodyPr wrap="none" rtlCol="0" anchor="ctr"/>
+          <a:lstStyle/>
+          <a:p>
+            <a:pPr algn="ctr"/>
+            <a:r>
+              <a:rPr lang="en-US" altLang="ja-JP" b="1" dirty="0" smtClean="0">
+                <a:effectLst>
+                  <a:outerShdw blurRad="50800" dist="38100" dir="2700000" algn="tl" rotWithShape="0">
+                    <a:srgbClr val="000000">
+                      <a:alpha val="43000"/>
+                    </a:srgbClr>
+                  </a:outerShdw>
+                </a:effectLst>
+              </a:rPr>
+              <a:t>Y</a:t>
+            </a:r>
+            <a:endParaRPr kumimoji="1" lang="ja-JP" altLang="en-US" b="1" dirty="0">
+              <a:effectLst>
+                <a:outerShdw blurRad="50800" dist="38100" dir="2700000" algn="tl" rotWithShape="0">
+                  <a:srgbClr val="000000">
+                    <a:alpha val="43000"/>
+                  </a:srgbClr>
+                </a:outerShdw>
+              </a:effectLst>
+            </a:endParaRPr>
+          </a:p>
+        </p:txBody>
+      </p:sp>
+      <p:sp>
+        <p:nvSpPr>
+          <p:cNvPr id="69" name="正方形/長方形 68"/>
+          <p:cNvSpPr/>
+          <p:nvPr/>
+        </p:nvSpPr>
+        <p:spPr>
+          <a:xfrm>
+            <a:off x="7494632" y="5132924"/>
+            <a:ext cx="375110" cy="342163"/>
+          </a:xfrm>
+          <a:prstGeom prst="rect">
+            <a:avLst/>
+          </a:prstGeom>
+          <a:solidFill>
+            <a:schemeClr val="bg1">
+              <a:lumMod val="75000"/>
+            </a:schemeClr>
+          </a:solidFill>
+        </p:spPr>
+        <p:style>
+          <a:lnRef idx="1">
+            <a:schemeClr val="accent1"/>
+          </a:lnRef>
+          <a:fillRef idx="3">
+            <a:schemeClr val="accent1"/>
+          </a:fillRef>
+          <a:effectRef idx="2">
+            <a:schemeClr val="accent1"/>
+          </a:effectRef>
+          <a:fontRef idx="minor">
+            <a:schemeClr val="lt1"/>
+          </a:fontRef>
+        </p:style>
+        <p:txBody>
+          <a:bodyPr wrap="none" rtlCol="0" anchor="ctr"/>
+          <a:lstStyle/>
+          <a:p>
+            <a:pPr algn="ctr"/>
+            <a:r>
+              <a:rPr lang="en-US" altLang="ja-JP" b="1" dirty="0" smtClean="0">
+                <a:effectLst>
+                  <a:outerShdw blurRad="50800" dist="38100" dir="2700000" algn="tl" rotWithShape="0">
+                    <a:srgbClr val="000000">
+                      <a:alpha val="43000"/>
+                    </a:srgbClr>
+                  </a:outerShdw>
+                </a:effectLst>
+              </a:rPr>
+              <a:t>Y</a:t>
+            </a:r>
+            <a:endParaRPr kumimoji="1" lang="ja-JP" altLang="en-US" b="1" dirty="0">
+              <a:effectLst>
+                <a:outerShdw blurRad="50800" dist="38100" dir="2700000" algn="tl" rotWithShape="0">
+                  <a:srgbClr val="000000">
+                    <a:alpha val="43000"/>
+                  </a:srgbClr>
+                </a:outerShdw>
+              </a:effectLst>
+            </a:endParaRPr>
+          </a:p>
+        </p:txBody>
+      </p:sp>
+      <p:sp>
+        <p:nvSpPr>
+          <p:cNvPr id="70" name="正方形/長方形 69"/>
+          <p:cNvSpPr/>
+          <p:nvPr/>
+        </p:nvSpPr>
+        <p:spPr>
+          <a:xfrm>
+            <a:off x="6089142" y="5138164"/>
+            <a:ext cx="375110" cy="342163"/>
+          </a:xfrm>
+          <a:prstGeom prst="rect">
+            <a:avLst/>
+          </a:prstGeom>
+          <a:solidFill>
+            <a:schemeClr val="bg1">
+              <a:lumMod val="75000"/>
+            </a:schemeClr>
+          </a:solidFill>
+        </p:spPr>
+        <p:style>
+          <a:lnRef idx="1">
+            <a:schemeClr val="accent1"/>
+          </a:lnRef>
+          <a:fillRef idx="3">
+            <a:schemeClr val="accent1"/>
+          </a:fillRef>
+          <a:effectRef idx="2">
+            <a:schemeClr val="accent1"/>
+          </a:effectRef>
+          <a:fontRef idx="minor">
+            <a:schemeClr val="lt1"/>
+          </a:fontRef>
+        </p:style>
+        <p:txBody>
+          <a:bodyPr wrap="none" rtlCol="0" anchor="ctr"/>
+          <a:lstStyle/>
+          <a:p>
+            <a:pPr algn="ctr"/>
+            <a:r>
+              <a:rPr lang="en-US" altLang="ja-JP" b="1" dirty="0" smtClean="0">
+                <a:effectLst>
+                  <a:outerShdw blurRad="50800" dist="38100" dir="2700000" algn="tl" rotWithShape="0">
+                    <a:srgbClr val="000000">
+                      <a:alpha val="43000"/>
+                    </a:srgbClr>
+                  </a:outerShdw>
+                </a:effectLst>
+              </a:rPr>
+              <a:t>Y</a:t>
+            </a:r>
+            <a:endParaRPr kumimoji="1" lang="ja-JP" altLang="en-US" b="1" dirty="0">
+              <a:effectLst>
+                <a:outerShdw blurRad="50800" dist="38100" dir="2700000" algn="tl" rotWithShape="0">
+                  <a:srgbClr val="000000">
+                    <a:alpha val="43000"/>
+                  </a:srgbClr>
+                </a:outerShdw>
+              </a:effectLst>
+            </a:endParaRPr>
+          </a:p>
+        </p:txBody>
+      </p:sp>
+      <p:sp>
+        <p:nvSpPr>
+          <p:cNvPr id="2" name="正方形/長方形 1"/>
+          <p:cNvSpPr/>
+          <p:nvPr/>
+        </p:nvSpPr>
+        <p:spPr>
+          <a:xfrm>
+            <a:off x="6015197" y="4713474"/>
+            <a:ext cx="1939278" cy="846718"/>
+          </a:xfrm>
+          <a:prstGeom prst="rect">
+            <a:avLst/>
+          </a:prstGeom>
+          <a:solidFill>
+            <a:schemeClr val="bg1">
+              <a:alpha val="50000"/>
+            </a:schemeClr>
+          </a:solidFill>
+          <a:ln>
+            <a:noFill/>
+          </a:ln>
+        </p:spPr>
+        <p:style>
+          <a:lnRef idx="1">
+            <a:schemeClr val="accent1"/>
+          </a:lnRef>
+          <a:fillRef idx="3">
+            <a:schemeClr val="accent1"/>
+          </a:fillRef>
+          <a:effectRef idx="2">
+            <a:schemeClr val="accent1"/>
+          </a:effectRef>
+          <a:fontRef idx="minor">
+            <a:schemeClr val="lt1"/>
+          </a:fontRef>
+        </p:style>
+        <p:txBody>
+          <a:bodyPr rtlCol="0" anchor="ctr"/>
+          <a:lstStyle/>
+          <a:p>
+            <a:pPr algn="ctr"/>
+            <a:r>
+              <a:rPr kumimoji="1" lang="ja-JP" altLang="en-US" dirty="0" smtClean="0">
+                <a:solidFill>
+                  <a:srgbClr val="FF0000"/>
+                </a:solidFill>
+              </a:rPr>
+              <a:t>？</a:t>
+            </a:r>
+            <a:endParaRPr kumimoji="1" lang="ja-JP" altLang="en-US" dirty="0">
+              <a:solidFill>
+                <a:srgbClr val="FF0000"/>
+              </a:solidFill>
+            </a:endParaRPr>
           </a:p>
         </p:txBody>
       </p:sp>
